--- a/socialBehavior.pptx
+++ b/socialBehavior.pptx
@@ -4,12 +4,18 @@
   <p:sldMasterIdLst>
     <p:sldMasterId id="2147483648" r:id="rId1"/>
   </p:sldMasterIdLst>
+  <p:notesMasterIdLst>
+    <p:notesMasterId r:id="rId10"/>
+  </p:notesMasterIdLst>
   <p:sldIdLst>
     <p:sldId id="256" r:id="rId2"/>
-    <p:sldId id="265" r:id="rId3"/>
-    <p:sldId id="261" r:id="rId4"/>
-    <p:sldId id="263" r:id="rId5"/>
-    <p:sldId id="262" r:id="rId6"/>
+    <p:sldId id="261" r:id="rId3"/>
+    <p:sldId id="263" r:id="rId4"/>
+    <p:sldId id="266" r:id="rId5"/>
+    <p:sldId id="267" r:id="rId6"/>
+    <p:sldId id="268" r:id="rId7"/>
+    <p:sldId id="262" r:id="rId8"/>
+    <p:sldId id="265" r:id="rId9"/>
   </p:sldIdLst>
   <p:sldSz cx="9144000" cy="6858000" type="screen4x3"/>
   <p:notesSz cx="6858000" cy="9144000"/>
@@ -108,7 +114,509 @@
       </a:defRPr>
     </a:lvl9pPr>
   </p:defaultTextStyle>
+  <p:extLst>
+    <p:ext uri="{EFAFB233-063F-42B5-8137-9DF3F51BA10A}">
+      <p15:sldGuideLst xmlns:p15="http://schemas.microsoft.com/office/powerpoint/2012/main">
+        <p15:guide id="1" orient="horz" pos="2160">
+          <p15:clr>
+            <a:srgbClr val="A4A3A4"/>
+          </p15:clr>
+        </p15:guide>
+        <p15:guide id="2" pos="2880">
+          <p15:clr>
+            <a:srgbClr val="A4A3A4"/>
+          </p15:clr>
+        </p15:guide>
+      </p15:sldGuideLst>
+    </p:ext>
+  </p:extLst>
 </p:presentation>
+</file>
+
+<file path=ppt/notesMasters/notesMaster1.xml><?xml version="1.0" encoding="utf-8"?>
+<p:notesMaster xmlns:a="http://schemas.openxmlformats.org/drawingml/2006/main" xmlns:r="http://schemas.openxmlformats.org/officeDocument/2006/relationships" xmlns:p="http://schemas.openxmlformats.org/presentationml/2006/main">
+  <p:cSld>
+    <p:bg>
+      <p:bgRef idx="1001">
+        <a:schemeClr val="bg1"/>
+      </p:bgRef>
+    </p:bg>
+    <p:spTree>
+      <p:nvGrpSpPr>
+        <p:cNvPr id="1" name=""/>
+        <p:cNvGrpSpPr/>
+        <p:nvPr/>
+      </p:nvGrpSpPr>
+      <p:grpSpPr>
+        <a:xfrm>
+          <a:off x="0" y="0"/>
+          <a:ext cx="0" cy="0"/>
+          <a:chOff x="0" y="0"/>
+          <a:chExt cx="0" cy="0"/>
+        </a:xfrm>
+      </p:grpSpPr>
+      <p:sp>
+        <p:nvSpPr>
+          <p:cNvPr id="2" name="Header Placeholder 1"/>
+          <p:cNvSpPr>
+            <a:spLocks noGrp="1"/>
+          </p:cNvSpPr>
+          <p:nvPr>
+            <p:ph type="hdr" sz="quarter"/>
+          </p:nvPr>
+        </p:nvSpPr>
+        <p:spPr>
+          <a:xfrm>
+            <a:off x="0" y="0"/>
+            <a:ext cx="2971800" cy="458788"/>
+          </a:xfrm>
+          <a:prstGeom prst="rect">
+            <a:avLst/>
+          </a:prstGeom>
+        </p:spPr>
+        <p:txBody>
+          <a:bodyPr vert="horz" lIns="91440" tIns="45720" rIns="91440" bIns="45720" rtlCol="0"/>
+          <a:lstStyle>
+            <a:lvl1pPr algn="r">
+              <a:defRPr sz="1200"/>
+            </a:lvl1pPr>
+          </a:lstStyle>
+          <a:p>
+            <a:endParaRPr lang="he-IL"/>
+          </a:p>
+        </p:txBody>
+      </p:sp>
+      <p:sp>
+        <p:nvSpPr>
+          <p:cNvPr id="3" name="Date Placeholder 2"/>
+          <p:cNvSpPr>
+            <a:spLocks noGrp="1"/>
+          </p:cNvSpPr>
+          <p:nvPr>
+            <p:ph type="dt" idx="1"/>
+          </p:nvPr>
+        </p:nvSpPr>
+        <p:spPr>
+          <a:xfrm>
+            <a:off x="3884613" y="0"/>
+            <a:ext cx="2971800" cy="458788"/>
+          </a:xfrm>
+          <a:prstGeom prst="rect">
+            <a:avLst/>
+          </a:prstGeom>
+        </p:spPr>
+        <p:txBody>
+          <a:bodyPr vert="horz" lIns="91440" tIns="45720" rIns="91440" bIns="45720" rtlCol="0"/>
+          <a:lstStyle>
+            <a:lvl1pPr algn="l">
+              <a:defRPr sz="1200"/>
+            </a:lvl1pPr>
+          </a:lstStyle>
+          <a:p>
+            <a:fld id="{A2697BDC-8223-4239-9564-C832C505282B}" type="datetimeFigureOut">
+              <a:rPr lang="he-IL" smtClean="0"/>
+              <a:t>י"ב/חשון/תשפ"ה</a:t>
+            </a:fld>
+            <a:endParaRPr lang="he-IL"/>
+          </a:p>
+        </p:txBody>
+      </p:sp>
+      <p:sp>
+        <p:nvSpPr>
+          <p:cNvPr id="4" name="Slide Image Placeholder 3"/>
+          <p:cNvSpPr>
+            <a:spLocks noGrp="1" noRot="1" noChangeAspect="1"/>
+          </p:cNvSpPr>
+          <p:nvPr>
+            <p:ph type="sldImg" idx="2"/>
+          </p:nvPr>
+        </p:nvSpPr>
+        <p:spPr>
+          <a:xfrm>
+            <a:off x="1371600" y="1143000"/>
+            <a:ext cx="4114800" cy="3086100"/>
+          </a:xfrm>
+          <a:prstGeom prst="rect">
+            <a:avLst/>
+          </a:prstGeom>
+          <a:noFill/>
+          <a:ln w="12700">
+            <a:solidFill>
+              <a:prstClr val="black"/>
+            </a:solidFill>
+          </a:ln>
+        </p:spPr>
+        <p:txBody>
+          <a:bodyPr vert="horz" lIns="91440" tIns="45720" rIns="91440" bIns="45720" rtlCol="0" anchor="ctr"/>
+          <a:lstStyle/>
+          <a:p>
+            <a:endParaRPr lang="he-IL"/>
+          </a:p>
+        </p:txBody>
+      </p:sp>
+      <p:sp>
+        <p:nvSpPr>
+          <p:cNvPr id="5" name="Notes Placeholder 4"/>
+          <p:cNvSpPr>
+            <a:spLocks noGrp="1"/>
+          </p:cNvSpPr>
+          <p:nvPr>
+            <p:ph type="body" sz="quarter" idx="3"/>
+          </p:nvPr>
+        </p:nvSpPr>
+        <p:spPr>
+          <a:xfrm>
+            <a:off x="685800" y="4400550"/>
+            <a:ext cx="5486400" cy="3600450"/>
+          </a:xfrm>
+          <a:prstGeom prst="rect">
+            <a:avLst/>
+          </a:prstGeom>
+        </p:spPr>
+        <p:txBody>
+          <a:bodyPr vert="horz" lIns="91440" tIns="45720" rIns="91440" bIns="45720" rtlCol="0"/>
+          <a:lstStyle/>
+          <a:p>
+            <a:pPr lvl="0"/>
+            <a:r>
+              <a:rPr lang="en-US"/>
+              <a:t>Click to edit Master text styles</a:t>
+            </a:r>
+          </a:p>
+          <a:p>
+            <a:pPr lvl="1"/>
+            <a:r>
+              <a:rPr lang="en-US"/>
+              <a:t>Second level</a:t>
+            </a:r>
+          </a:p>
+          <a:p>
+            <a:pPr lvl="2"/>
+            <a:r>
+              <a:rPr lang="en-US"/>
+              <a:t>Third level</a:t>
+            </a:r>
+          </a:p>
+          <a:p>
+            <a:pPr lvl="3"/>
+            <a:r>
+              <a:rPr lang="en-US"/>
+              <a:t>Fourth level</a:t>
+            </a:r>
+          </a:p>
+          <a:p>
+            <a:pPr lvl="4"/>
+            <a:r>
+              <a:rPr lang="en-US"/>
+              <a:t>Fifth level</a:t>
+            </a:r>
+            <a:endParaRPr lang="he-IL"/>
+          </a:p>
+        </p:txBody>
+      </p:sp>
+      <p:sp>
+        <p:nvSpPr>
+          <p:cNvPr id="6" name="Footer Placeholder 5"/>
+          <p:cNvSpPr>
+            <a:spLocks noGrp="1"/>
+          </p:cNvSpPr>
+          <p:nvPr>
+            <p:ph type="ftr" sz="quarter" idx="4"/>
+          </p:nvPr>
+        </p:nvSpPr>
+        <p:spPr>
+          <a:xfrm>
+            <a:off x="0" y="8685213"/>
+            <a:ext cx="2971800" cy="458787"/>
+          </a:xfrm>
+          <a:prstGeom prst="rect">
+            <a:avLst/>
+          </a:prstGeom>
+        </p:spPr>
+        <p:txBody>
+          <a:bodyPr vert="horz" lIns="91440" tIns="45720" rIns="91440" bIns="45720" rtlCol="0" anchor="b"/>
+          <a:lstStyle>
+            <a:lvl1pPr algn="r">
+              <a:defRPr sz="1200"/>
+            </a:lvl1pPr>
+          </a:lstStyle>
+          <a:p>
+            <a:endParaRPr lang="he-IL"/>
+          </a:p>
+        </p:txBody>
+      </p:sp>
+      <p:sp>
+        <p:nvSpPr>
+          <p:cNvPr id="7" name="Slide Number Placeholder 6"/>
+          <p:cNvSpPr>
+            <a:spLocks noGrp="1"/>
+          </p:cNvSpPr>
+          <p:nvPr>
+            <p:ph type="sldNum" sz="quarter" idx="5"/>
+          </p:nvPr>
+        </p:nvSpPr>
+        <p:spPr>
+          <a:xfrm>
+            <a:off x="3884613" y="8685213"/>
+            <a:ext cx="2971800" cy="458787"/>
+          </a:xfrm>
+          <a:prstGeom prst="rect">
+            <a:avLst/>
+          </a:prstGeom>
+        </p:spPr>
+        <p:txBody>
+          <a:bodyPr vert="horz" lIns="91440" tIns="45720" rIns="91440" bIns="45720" rtlCol="0" anchor="b"/>
+          <a:lstStyle>
+            <a:lvl1pPr algn="l">
+              <a:defRPr sz="1200"/>
+            </a:lvl1pPr>
+          </a:lstStyle>
+          <a:p>
+            <a:fld id="{312CD0DB-1977-4438-BF37-BEB645ACFA1E}" type="slidenum">
+              <a:rPr lang="he-IL" smtClean="0"/>
+              <a:t>‹#›</a:t>
+            </a:fld>
+            <a:endParaRPr lang="he-IL"/>
+          </a:p>
+        </p:txBody>
+      </p:sp>
+    </p:spTree>
+    <p:extLst>
+      <p:ext uri="{BB962C8B-B14F-4D97-AF65-F5344CB8AC3E}">
+        <p14:creationId xmlns:p14="http://schemas.microsoft.com/office/powerpoint/2010/main" val="1613523346"/>
+      </p:ext>
+    </p:extLst>
+  </p:cSld>
+  <p:clrMap bg1="lt1" tx1="dk1" bg2="lt2" tx2="dk2" accent1="accent1" accent2="accent2" accent3="accent3" accent4="accent4" accent5="accent5" accent6="accent6" hlink="hlink" folHlink="folHlink"/>
+  <p:notesStyle>
+    <a:lvl1pPr marL="0" algn="l" defTabSz="914400" rtl="0" eaLnBrk="1" latinLnBrk="0" hangingPunct="1">
+      <a:defRPr sz="1200" kern="1200">
+        <a:solidFill>
+          <a:schemeClr val="tx1"/>
+        </a:solidFill>
+        <a:latin typeface="+mn-lt"/>
+        <a:ea typeface="+mn-ea"/>
+        <a:cs typeface="+mn-cs"/>
+      </a:defRPr>
+    </a:lvl1pPr>
+    <a:lvl2pPr marL="457200" algn="l" defTabSz="914400" rtl="0" eaLnBrk="1" latinLnBrk="0" hangingPunct="1">
+      <a:defRPr sz="1200" kern="1200">
+        <a:solidFill>
+          <a:schemeClr val="tx1"/>
+        </a:solidFill>
+        <a:latin typeface="+mn-lt"/>
+        <a:ea typeface="+mn-ea"/>
+        <a:cs typeface="+mn-cs"/>
+      </a:defRPr>
+    </a:lvl2pPr>
+    <a:lvl3pPr marL="914400" algn="l" defTabSz="914400" rtl="0" eaLnBrk="1" latinLnBrk="0" hangingPunct="1">
+      <a:defRPr sz="1200" kern="1200">
+        <a:solidFill>
+          <a:schemeClr val="tx1"/>
+        </a:solidFill>
+        <a:latin typeface="+mn-lt"/>
+        <a:ea typeface="+mn-ea"/>
+        <a:cs typeface="+mn-cs"/>
+      </a:defRPr>
+    </a:lvl3pPr>
+    <a:lvl4pPr marL="1371600" algn="l" defTabSz="914400" rtl="0" eaLnBrk="1" latinLnBrk="0" hangingPunct="1">
+      <a:defRPr sz="1200" kern="1200">
+        <a:solidFill>
+          <a:schemeClr val="tx1"/>
+        </a:solidFill>
+        <a:latin typeface="+mn-lt"/>
+        <a:ea typeface="+mn-ea"/>
+        <a:cs typeface="+mn-cs"/>
+      </a:defRPr>
+    </a:lvl4pPr>
+    <a:lvl5pPr marL="1828800" algn="l" defTabSz="914400" rtl="0" eaLnBrk="1" latinLnBrk="0" hangingPunct="1">
+      <a:defRPr sz="1200" kern="1200">
+        <a:solidFill>
+          <a:schemeClr val="tx1"/>
+        </a:solidFill>
+        <a:latin typeface="+mn-lt"/>
+        <a:ea typeface="+mn-ea"/>
+        <a:cs typeface="+mn-cs"/>
+      </a:defRPr>
+    </a:lvl5pPr>
+    <a:lvl6pPr marL="2286000" algn="l" defTabSz="914400" rtl="0" eaLnBrk="1" latinLnBrk="0" hangingPunct="1">
+      <a:defRPr sz="1200" kern="1200">
+        <a:solidFill>
+          <a:schemeClr val="tx1"/>
+        </a:solidFill>
+        <a:latin typeface="+mn-lt"/>
+        <a:ea typeface="+mn-ea"/>
+        <a:cs typeface="+mn-cs"/>
+      </a:defRPr>
+    </a:lvl6pPr>
+    <a:lvl7pPr marL="2743200" algn="l" defTabSz="914400" rtl="0" eaLnBrk="1" latinLnBrk="0" hangingPunct="1">
+      <a:defRPr sz="1200" kern="1200">
+        <a:solidFill>
+          <a:schemeClr val="tx1"/>
+        </a:solidFill>
+        <a:latin typeface="+mn-lt"/>
+        <a:ea typeface="+mn-ea"/>
+        <a:cs typeface="+mn-cs"/>
+      </a:defRPr>
+    </a:lvl7pPr>
+    <a:lvl8pPr marL="3200400" algn="l" defTabSz="914400" rtl="0" eaLnBrk="1" latinLnBrk="0" hangingPunct="1">
+      <a:defRPr sz="1200" kern="1200">
+        <a:solidFill>
+          <a:schemeClr val="tx1"/>
+        </a:solidFill>
+        <a:latin typeface="+mn-lt"/>
+        <a:ea typeface="+mn-ea"/>
+        <a:cs typeface="+mn-cs"/>
+      </a:defRPr>
+    </a:lvl8pPr>
+    <a:lvl9pPr marL="3657600" algn="l" defTabSz="914400" rtl="0" eaLnBrk="1" latinLnBrk="0" hangingPunct="1">
+      <a:defRPr sz="1200" kern="1200">
+        <a:solidFill>
+          <a:schemeClr val="tx1"/>
+        </a:solidFill>
+        <a:latin typeface="+mn-lt"/>
+        <a:ea typeface="+mn-ea"/>
+        <a:cs typeface="+mn-cs"/>
+      </a:defRPr>
+    </a:lvl9pPr>
+  </p:notesStyle>
+</p:notesMaster>
+</file>
+
+<file path=ppt/notesSlides/notesSlide1.xml><?xml version="1.0" encoding="utf-8"?>
+<p:notes xmlns:a="http://schemas.openxmlformats.org/drawingml/2006/main" xmlns:r="http://schemas.openxmlformats.org/officeDocument/2006/relationships" xmlns:p="http://schemas.openxmlformats.org/presentationml/2006/main">
+  <p:cSld>
+    <p:spTree>
+      <p:nvGrpSpPr>
+        <p:cNvPr id="1" name=""/>
+        <p:cNvGrpSpPr/>
+        <p:nvPr/>
+      </p:nvGrpSpPr>
+      <p:grpSpPr>
+        <a:xfrm>
+          <a:off x="0" y="0"/>
+          <a:ext cx="0" cy="0"/>
+          <a:chOff x="0" y="0"/>
+          <a:chExt cx="0" cy="0"/>
+        </a:xfrm>
+      </p:grpSpPr>
+      <p:sp>
+        <p:nvSpPr>
+          <p:cNvPr id="2" name="Slide Image Placeholder 1"/>
+          <p:cNvSpPr>
+            <a:spLocks noGrp="1" noRot="1" noChangeAspect="1"/>
+          </p:cNvSpPr>
+          <p:nvPr>
+            <p:ph type="sldImg"/>
+          </p:nvPr>
+        </p:nvSpPr>
+        <p:spPr/>
+      </p:sp>
+      <p:sp>
+        <p:nvSpPr>
+          <p:cNvPr id="3" name="Notes Placeholder 2"/>
+          <p:cNvSpPr>
+            <a:spLocks noGrp="1"/>
+          </p:cNvSpPr>
+          <p:nvPr>
+            <p:ph type="body" idx="1"/>
+          </p:nvPr>
+        </p:nvSpPr>
+        <p:spPr/>
+        <p:txBody>
+          <a:bodyPr/>
+          <a:lstStyle/>
+          <a:p>
+            <a:pPr eaLnBrk="0" fontAlgn="base" hangingPunct="0">
+              <a:lnSpc>
+                <a:spcPct val="150000"/>
+              </a:lnSpc>
+              <a:spcBef>
+                <a:spcPct val="0"/>
+              </a:spcBef>
+              <a:spcAft>
+                <a:spcPts val="600"/>
+              </a:spcAft>
+            </a:pPr>
+            <a:r>
+              <a:rPr kumimoji="0" lang="en-US" altLang="en-US" sz="1200" i="0" u="none" strike="noStrike" cap="none" normalizeH="0" baseline="0" dirty="0">
+                <a:ln>
+                  <a:noFill/>
+                </a:ln>
+                <a:effectLst/>
+                <a:latin typeface="+mj-lt"/>
+              </a:rPr>
+              <a:t>Reddit offers a large, diverse community with active discussions in both art and sports forums.</a:t>
+            </a:r>
+          </a:p>
+          <a:p>
+            <a:pPr eaLnBrk="0" fontAlgn="base" hangingPunct="0">
+              <a:lnSpc>
+                <a:spcPct val="150000"/>
+              </a:lnSpc>
+              <a:spcBef>
+                <a:spcPct val="0"/>
+              </a:spcBef>
+              <a:spcAft>
+                <a:spcPts val="600"/>
+              </a:spcAft>
+            </a:pPr>
+            <a:r>
+              <a:rPr lang="en-US" altLang="en-US" sz="1200" dirty="0">
+                <a:latin typeface="+mj-lt"/>
+              </a:rPr>
+              <a:t>E</a:t>
+            </a:r>
+            <a:r>
+              <a:rPr kumimoji="0" lang="en-US" altLang="en-US" sz="1200" i="0" u="none" strike="noStrike" cap="none" normalizeH="0" baseline="0" dirty="0">
+                <a:ln>
+                  <a:noFill/>
+                </a:ln>
+                <a:effectLst/>
+                <a:latin typeface="+mj-lt"/>
+              </a:rPr>
+              <a:t>xplore how engagement in sports could influence sentiment and creativity in art-related discussions.</a:t>
+            </a:r>
+          </a:p>
+          <a:p>
+            <a:endParaRPr lang="he-IL" dirty="0"/>
+          </a:p>
+        </p:txBody>
+      </p:sp>
+      <p:sp>
+        <p:nvSpPr>
+          <p:cNvPr id="4" name="Slide Number Placeholder 3"/>
+          <p:cNvSpPr>
+            <a:spLocks noGrp="1"/>
+          </p:cNvSpPr>
+          <p:nvPr>
+            <p:ph type="sldNum" sz="quarter" idx="5"/>
+          </p:nvPr>
+        </p:nvSpPr>
+        <p:spPr/>
+        <p:txBody>
+          <a:bodyPr/>
+          <a:lstStyle/>
+          <a:p>
+            <a:fld id="{312CD0DB-1977-4438-BF37-BEB645ACFA1E}" type="slidenum">
+              <a:rPr lang="he-IL" smtClean="0"/>
+              <a:t>2</a:t>
+            </a:fld>
+            <a:endParaRPr lang="he-IL"/>
+          </a:p>
+        </p:txBody>
+      </p:sp>
+    </p:spTree>
+    <p:extLst>
+      <p:ext uri="{BB962C8B-B14F-4D97-AF65-F5344CB8AC3E}">
+        <p14:creationId xmlns:p14="http://schemas.microsoft.com/office/powerpoint/2010/main" val="1216635932"/>
+      </p:ext>
+    </p:extLst>
+  </p:cSld>
+  <p:clrMapOvr>
+    <a:masterClrMapping/>
+  </p:clrMapOvr>
+</p:notes>
 </file>
 
 <file path=ppt/slideLayouts/slideLayout1.xml><?xml version="1.0" encoding="utf-8"?>
@@ -149,7 +657,7 @@
           <a:lstStyle/>
           <a:p>
             <a:r>
-              <a:rPr lang="he-IL" smtClean="0"/>
+              <a:rPr lang="he-IL"/>
               <a:t>לחץ כדי לערוך סגנון כותרת של תבנית בסיס</a:t>
             </a:r>
             <a:endParaRPr lang="en-US"/>
@@ -268,7 +776,7 @@
           </a:lstStyle>
           <a:p>
             <a:r>
-              <a:rPr lang="he-IL" smtClean="0"/>
+              <a:rPr lang="he-IL"/>
               <a:t>לחץ כדי לערוך סגנון כותרת משנה של תבנית בסיס</a:t>
             </a:r>
             <a:endParaRPr lang="en-US"/>
@@ -292,7 +800,7 @@
           <a:p>
             <a:fld id="{6C98C7CF-1E97-43EA-ACA3-83D51F017C5F}" type="datetimeFigureOut">
               <a:rPr lang="en-US" smtClean="0"/>
-              <a:t>11/9/2024</a:t>
+              <a:t>11/13/2024</a:t>
             </a:fld>
             <a:endParaRPr lang="en-US"/>
           </a:p>
@@ -386,7 +894,7 @@
           <a:lstStyle/>
           <a:p>
             <a:r>
-              <a:rPr lang="he-IL" smtClean="0"/>
+              <a:rPr lang="he-IL"/>
               <a:t>לחץ כדי לערוך סגנון כותרת של תבנית בסיס</a:t>
             </a:r>
             <a:endParaRPr lang="en-US"/>
@@ -410,35 +918,35 @@
           <a:p>
             <a:pPr lvl="0"/>
             <a:r>
-              <a:rPr lang="he-IL" smtClean="0"/>
+              <a:rPr lang="he-IL"/>
               <a:t>לחץ כדי לערוך סגנונות טקסט של תבנית בסיס</a:t>
             </a:r>
           </a:p>
           <a:p>
             <a:pPr lvl="1"/>
             <a:r>
-              <a:rPr lang="he-IL" smtClean="0"/>
+              <a:rPr lang="he-IL"/>
               <a:t>רמה שנייה</a:t>
             </a:r>
           </a:p>
           <a:p>
             <a:pPr lvl="2"/>
             <a:r>
-              <a:rPr lang="he-IL" smtClean="0"/>
+              <a:rPr lang="he-IL"/>
               <a:t>רמה שלישית</a:t>
             </a:r>
           </a:p>
           <a:p>
             <a:pPr lvl="3"/>
             <a:r>
-              <a:rPr lang="he-IL" smtClean="0"/>
+              <a:rPr lang="he-IL"/>
               <a:t>רמה רביעית</a:t>
             </a:r>
           </a:p>
           <a:p>
             <a:pPr lvl="4"/>
             <a:r>
-              <a:rPr lang="he-IL" smtClean="0"/>
+              <a:rPr lang="he-IL"/>
               <a:t>רמה חמישית</a:t>
             </a:r>
             <a:endParaRPr lang="en-US"/>
@@ -462,7 +970,7 @@
           <a:p>
             <a:fld id="{6C98C7CF-1E97-43EA-ACA3-83D51F017C5F}" type="datetimeFigureOut">
               <a:rPr lang="en-US" smtClean="0"/>
-              <a:t>11/9/2024</a:t>
+              <a:t>11/13/2024</a:t>
             </a:fld>
             <a:endParaRPr lang="en-US"/>
           </a:p>
@@ -561,7 +1069,7 @@
           <a:lstStyle/>
           <a:p>
             <a:r>
-              <a:rPr lang="he-IL" smtClean="0"/>
+              <a:rPr lang="he-IL"/>
               <a:t>לחץ כדי לערוך סגנון כותרת של תבנית בסיס</a:t>
             </a:r>
             <a:endParaRPr lang="en-US"/>
@@ -590,35 +1098,35 @@
           <a:p>
             <a:pPr lvl="0"/>
             <a:r>
-              <a:rPr lang="he-IL" smtClean="0"/>
+              <a:rPr lang="he-IL"/>
               <a:t>לחץ כדי לערוך סגנונות טקסט של תבנית בסיס</a:t>
             </a:r>
           </a:p>
           <a:p>
             <a:pPr lvl="1"/>
             <a:r>
-              <a:rPr lang="he-IL" smtClean="0"/>
+              <a:rPr lang="he-IL"/>
               <a:t>רמה שנייה</a:t>
             </a:r>
           </a:p>
           <a:p>
             <a:pPr lvl="2"/>
             <a:r>
-              <a:rPr lang="he-IL" smtClean="0"/>
+              <a:rPr lang="he-IL"/>
               <a:t>רמה שלישית</a:t>
             </a:r>
           </a:p>
           <a:p>
             <a:pPr lvl="3"/>
             <a:r>
-              <a:rPr lang="he-IL" smtClean="0"/>
+              <a:rPr lang="he-IL"/>
               <a:t>רמה רביעית</a:t>
             </a:r>
           </a:p>
           <a:p>
             <a:pPr lvl="4"/>
             <a:r>
-              <a:rPr lang="he-IL" smtClean="0"/>
+              <a:rPr lang="he-IL"/>
               <a:t>רמה חמישית</a:t>
             </a:r>
             <a:endParaRPr lang="en-US"/>
@@ -642,7 +1150,7 @@
           <a:p>
             <a:fld id="{6C98C7CF-1E97-43EA-ACA3-83D51F017C5F}" type="datetimeFigureOut">
               <a:rPr lang="en-US" smtClean="0"/>
-              <a:t>11/9/2024</a:t>
+              <a:t>11/13/2024</a:t>
             </a:fld>
             <a:endParaRPr lang="en-US"/>
           </a:p>
@@ -736,7 +1244,7 @@
           <a:lstStyle/>
           <a:p>
             <a:r>
-              <a:rPr lang="he-IL" smtClean="0"/>
+              <a:rPr lang="he-IL"/>
               <a:t>לחץ כדי לערוך סגנון כותרת של תבנית בסיס</a:t>
             </a:r>
             <a:endParaRPr lang="en-US"/>
@@ -760,35 +1268,35 @@
           <a:p>
             <a:pPr lvl="0"/>
             <a:r>
-              <a:rPr lang="he-IL" smtClean="0"/>
+              <a:rPr lang="he-IL"/>
               <a:t>לחץ כדי לערוך סגנונות טקסט של תבנית בסיס</a:t>
             </a:r>
           </a:p>
           <a:p>
             <a:pPr lvl="1"/>
             <a:r>
-              <a:rPr lang="he-IL" smtClean="0"/>
+              <a:rPr lang="he-IL"/>
               <a:t>רמה שנייה</a:t>
             </a:r>
           </a:p>
           <a:p>
             <a:pPr lvl="2"/>
             <a:r>
-              <a:rPr lang="he-IL" smtClean="0"/>
+              <a:rPr lang="he-IL"/>
               <a:t>רמה שלישית</a:t>
             </a:r>
           </a:p>
           <a:p>
             <a:pPr lvl="3"/>
             <a:r>
-              <a:rPr lang="he-IL" smtClean="0"/>
+              <a:rPr lang="he-IL"/>
               <a:t>רמה רביעית</a:t>
             </a:r>
           </a:p>
           <a:p>
             <a:pPr lvl="4"/>
             <a:r>
-              <a:rPr lang="he-IL" smtClean="0"/>
+              <a:rPr lang="he-IL"/>
               <a:t>רמה חמישית</a:t>
             </a:r>
             <a:endParaRPr lang="en-US"/>
@@ -812,7 +1320,7 @@
           <a:p>
             <a:fld id="{6C98C7CF-1E97-43EA-ACA3-83D51F017C5F}" type="datetimeFigureOut">
               <a:rPr lang="en-US" smtClean="0"/>
-              <a:t>11/9/2024</a:t>
+              <a:t>11/13/2024</a:t>
             </a:fld>
             <a:endParaRPr lang="en-US"/>
           </a:p>
@@ -915,7 +1423,7 @@
           </a:lstStyle>
           <a:p>
             <a:r>
-              <a:rPr lang="he-IL" smtClean="0"/>
+              <a:rPr lang="he-IL"/>
               <a:t>לחץ כדי לערוך סגנון כותרת של תבנית בסיס</a:t>
             </a:r>
             <a:endParaRPr lang="en-US"/>
@@ -1035,7 +1543,7 @@
           <a:p>
             <a:pPr lvl="0"/>
             <a:r>
-              <a:rPr lang="he-IL" smtClean="0"/>
+              <a:rPr lang="he-IL"/>
               <a:t>לחץ כדי לערוך סגנונות טקסט של תבנית בסיס</a:t>
             </a:r>
           </a:p>
@@ -1058,7 +1566,7 @@
           <a:p>
             <a:fld id="{6C98C7CF-1E97-43EA-ACA3-83D51F017C5F}" type="datetimeFigureOut">
               <a:rPr lang="en-US" smtClean="0"/>
-              <a:t>11/9/2024</a:t>
+              <a:t>11/13/2024</a:t>
             </a:fld>
             <a:endParaRPr lang="en-US"/>
           </a:p>
@@ -1152,7 +1660,7 @@
           <a:lstStyle/>
           <a:p>
             <a:r>
-              <a:rPr lang="he-IL" smtClean="0"/>
+              <a:rPr lang="he-IL"/>
               <a:t>לחץ כדי לערוך סגנון כותרת של תבנית בסיס</a:t>
             </a:r>
             <a:endParaRPr lang="en-US"/>
@@ -1209,35 +1717,35 @@
           <a:p>
             <a:pPr lvl="0"/>
             <a:r>
-              <a:rPr lang="he-IL" smtClean="0"/>
+              <a:rPr lang="he-IL"/>
               <a:t>לחץ כדי לערוך סגנונות טקסט של תבנית בסיס</a:t>
             </a:r>
           </a:p>
           <a:p>
             <a:pPr lvl="1"/>
             <a:r>
-              <a:rPr lang="he-IL" smtClean="0"/>
+              <a:rPr lang="he-IL"/>
               <a:t>רמה שנייה</a:t>
             </a:r>
           </a:p>
           <a:p>
             <a:pPr lvl="2"/>
             <a:r>
-              <a:rPr lang="he-IL" smtClean="0"/>
+              <a:rPr lang="he-IL"/>
               <a:t>רמה שלישית</a:t>
             </a:r>
           </a:p>
           <a:p>
             <a:pPr lvl="3"/>
             <a:r>
-              <a:rPr lang="he-IL" smtClean="0"/>
+              <a:rPr lang="he-IL"/>
               <a:t>רמה רביעית</a:t>
             </a:r>
           </a:p>
           <a:p>
             <a:pPr lvl="4"/>
             <a:r>
-              <a:rPr lang="he-IL" smtClean="0"/>
+              <a:rPr lang="he-IL"/>
               <a:t>רמה חמישית</a:t>
             </a:r>
             <a:endParaRPr lang="en-US"/>
@@ -1294,35 +1802,35 @@
           <a:p>
             <a:pPr lvl="0"/>
             <a:r>
-              <a:rPr lang="he-IL" smtClean="0"/>
+              <a:rPr lang="he-IL"/>
               <a:t>לחץ כדי לערוך סגנונות טקסט של תבנית בסיס</a:t>
             </a:r>
           </a:p>
           <a:p>
             <a:pPr lvl="1"/>
             <a:r>
-              <a:rPr lang="he-IL" smtClean="0"/>
+              <a:rPr lang="he-IL"/>
               <a:t>רמה שנייה</a:t>
             </a:r>
           </a:p>
           <a:p>
             <a:pPr lvl="2"/>
             <a:r>
-              <a:rPr lang="he-IL" smtClean="0"/>
+              <a:rPr lang="he-IL"/>
               <a:t>רמה שלישית</a:t>
             </a:r>
           </a:p>
           <a:p>
             <a:pPr lvl="3"/>
             <a:r>
-              <a:rPr lang="he-IL" smtClean="0"/>
+              <a:rPr lang="he-IL"/>
               <a:t>רמה רביעית</a:t>
             </a:r>
           </a:p>
           <a:p>
             <a:pPr lvl="4"/>
             <a:r>
-              <a:rPr lang="he-IL" smtClean="0"/>
+              <a:rPr lang="he-IL"/>
               <a:t>רמה חמישית</a:t>
             </a:r>
             <a:endParaRPr lang="en-US"/>
@@ -1346,7 +1854,7 @@
           <a:p>
             <a:fld id="{6C98C7CF-1E97-43EA-ACA3-83D51F017C5F}" type="datetimeFigureOut">
               <a:rPr lang="en-US" smtClean="0"/>
-              <a:t>11/9/2024</a:t>
+              <a:t>11/13/2024</a:t>
             </a:fld>
             <a:endParaRPr lang="en-US"/>
           </a:p>
@@ -1444,7 +1952,7 @@
           </a:lstStyle>
           <a:p>
             <a:r>
-              <a:rPr lang="he-IL" smtClean="0"/>
+              <a:rPr lang="he-IL"/>
               <a:t>לחץ כדי לערוך סגנון כותרת של תבנית בסיס</a:t>
             </a:r>
             <a:endParaRPr lang="en-US"/>
@@ -1510,7 +2018,7 @@
           <a:p>
             <a:pPr lvl="0"/>
             <a:r>
-              <a:rPr lang="he-IL" smtClean="0"/>
+              <a:rPr lang="he-IL"/>
               <a:t>לחץ כדי לערוך סגנונות טקסט של תבנית בסיס</a:t>
             </a:r>
           </a:p>
@@ -1566,35 +2074,35 @@
           <a:p>
             <a:pPr lvl="0"/>
             <a:r>
-              <a:rPr lang="he-IL" smtClean="0"/>
+              <a:rPr lang="he-IL"/>
               <a:t>לחץ כדי לערוך סגנונות טקסט של תבנית בסיס</a:t>
             </a:r>
           </a:p>
           <a:p>
             <a:pPr lvl="1"/>
             <a:r>
-              <a:rPr lang="he-IL" smtClean="0"/>
+              <a:rPr lang="he-IL"/>
               <a:t>רמה שנייה</a:t>
             </a:r>
           </a:p>
           <a:p>
             <a:pPr lvl="2"/>
             <a:r>
-              <a:rPr lang="he-IL" smtClean="0"/>
+              <a:rPr lang="he-IL"/>
               <a:t>רמה שלישית</a:t>
             </a:r>
           </a:p>
           <a:p>
             <a:pPr lvl="3"/>
             <a:r>
-              <a:rPr lang="he-IL" smtClean="0"/>
+              <a:rPr lang="he-IL"/>
               <a:t>רמה רביעית</a:t>
             </a:r>
           </a:p>
           <a:p>
             <a:pPr lvl="4"/>
             <a:r>
-              <a:rPr lang="he-IL" smtClean="0"/>
+              <a:rPr lang="he-IL"/>
               <a:t>רמה חמישית</a:t>
             </a:r>
             <a:endParaRPr lang="en-US"/>
@@ -1660,7 +2168,7 @@
           <a:p>
             <a:pPr lvl="0"/>
             <a:r>
-              <a:rPr lang="he-IL" smtClean="0"/>
+              <a:rPr lang="he-IL"/>
               <a:t>לחץ כדי לערוך סגנונות טקסט של תבנית בסיס</a:t>
             </a:r>
           </a:p>
@@ -1716,35 +2224,35 @@
           <a:p>
             <a:pPr lvl="0"/>
             <a:r>
-              <a:rPr lang="he-IL" smtClean="0"/>
+              <a:rPr lang="he-IL"/>
               <a:t>לחץ כדי לערוך סגנונות טקסט של תבנית בסיס</a:t>
             </a:r>
           </a:p>
           <a:p>
             <a:pPr lvl="1"/>
             <a:r>
-              <a:rPr lang="he-IL" smtClean="0"/>
+              <a:rPr lang="he-IL"/>
               <a:t>רמה שנייה</a:t>
             </a:r>
           </a:p>
           <a:p>
             <a:pPr lvl="2"/>
             <a:r>
-              <a:rPr lang="he-IL" smtClean="0"/>
+              <a:rPr lang="he-IL"/>
               <a:t>רמה שלישית</a:t>
             </a:r>
           </a:p>
           <a:p>
             <a:pPr lvl="3"/>
             <a:r>
-              <a:rPr lang="he-IL" smtClean="0"/>
+              <a:rPr lang="he-IL"/>
               <a:t>רמה רביעית</a:t>
             </a:r>
           </a:p>
           <a:p>
             <a:pPr lvl="4"/>
             <a:r>
-              <a:rPr lang="he-IL" smtClean="0"/>
+              <a:rPr lang="he-IL"/>
               <a:t>רמה חמישית</a:t>
             </a:r>
             <a:endParaRPr lang="en-US"/>
@@ -1768,7 +2276,7 @@
           <a:p>
             <a:fld id="{6C98C7CF-1E97-43EA-ACA3-83D51F017C5F}" type="datetimeFigureOut">
               <a:rPr lang="en-US" smtClean="0"/>
-              <a:t>11/9/2024</a:t>
+              <a:t>11/13/2024</a:t>
             </a:fld>
             <a:endParaRPr lang="en-US"/>
           </a:p>
@@ -1862,7 +2370,7 @@
           <a:lstStyle/>
           <a:p>
             <a:r>
-              <a:rPr lang="he-IL" smtClean="0"/>
+              <a:rPr lang="he-IL"/>
               <a:t>לחץ כדי לערוך סגנון כותרת של תבנית בסיס</a:t>
             </a:r>
             <a:endParaRPr lang="en-US"/>
@@ -1886,7 +2394,7 @@
           <a:p>
             <a:fld id="{6C98C7CF-1E97-43EA-ACA3-83D51F017C5F}" type="datetimeFigureOut">
               <a:rPr lang="en-US" smtClean="0"/>
-              <a:t>11/9/2024</a:t>
+              <a:t>11/13/2024</a:t>
             </a:fld>
             <a:endParaRPr lang="en-US"/>
           </a:p>
@@ -1981,7 +2489,7 @@
           <a:p>
             <a:fld id="{6C98C7CF-1E97-43EA-ACA3-83D51F017C5F}" type="datetimeFigureOut">
               <a:rPr lang="en-US" smtClean="0"/>
-              <a:t>11/9/2024</a:t>
+              <a:t>11/13/2024</a:t>
             </a:fld>
             <a:endParaRPr lang="en-US"/>
           </a:p>
@@ -2084,7 +2592,7 @@
           </a:lstStyle>
           <a:p>
             <a:r>
-              <a:rPr lang="he-IL" smtClean="0"/>
+              <a:rPr lang="he-IL"/>
               <a:t>לחץ כדי לערוך סגנון כותרת של תבנית בסיס</a:t>
             </a:r>
             <a:endParaRPr lang="en-US"/>
@@ -2141,35 +2649,35 @@
           <a:p>
             <a:pPr lvl="0"/>
             <a:r>
-              <a:rPr lang="he-IL" smtClean="0"/>
+              <a:rPr lang="he-IL"/>
               <a:t>לחץ כדי לערוך סגנונות טקסט של תבנית בסיס</a:t>
             </a:r>
           </a:p>
           <a:p>
             <a:pPr lvl="1"/>
             <a:r>
-              <a:rPr lang="he-IL" smtClean="0"/>
+              <a:rPr lang="he-IL"/>
               <a:t>רמה שנייה</a:t>
             </a:r>
           </a:p>
           <a:p>
             <a:pPr lvl="2"/>
             <a:r>
-              <a:rPr lang="he-IL" smtClean="0"/>
+              <a:rPr lang="he-IL"/>
               <a:t>רמה שלישית</a:t>
             </a:r>
           </a:p>
           <a:p>
             <a:pPr lvl="3"/>
             <a:r>
-              <a:rPr lang="he-IL" smtClean="0"/>
+              <a:rPr lang="he-IL"/>
               <a:t>רמה רביעית</a:t>
             </a:r>
           </a:p>
           <a:p>
             <a:pPr lvl="4"/>
             <a:r>
-              <a:rPr lang="he-IL" smtClean="0"/>
+              <a:rPr lang="he-IL"/>
               <a:t>רמה חמישית</a:t>
             </a:r>
             <a:endParaRPr lang="en-US"/>
@@ -2235,7 +2743,7 @@
           <a:p>
             <a:pPr lvl="0"/>
             <a:r>
-              <a:rPr lang="he-IL" smtClean="0"/>
+              <a:rPr lang="he-IL"/>
               <a:t>לחץ כדי לערוך סגנונות טקסט של תבנית בסיס</a:t>
             </a:r>
           </a:p>
@@ -2258,7 +2766,7 @@
           <a:p>
             <a:fld id="{6C98C7CF-1E97-43EA-ACA3-83D51F017C5F}" type="datetimeFigureOut">
               <a:rPr lang="en-US" smtClean="0"/>
-              <a:t>11/9/2024</a:t>
+              <a:t>11/13/2024</a:t>
             </a:fld>
             <a:endParaRPr lang="en-US"/>
           </a:p>
@@ -2361,7 +2869,7 @@
           </a:lstStyle>
           <a:p>
             <a:r>
-              <a:rPr lang="he-IL" smtClean="0"/>
+              <a:rPr lang="he-IL"/>
               <a:t>לחץ כדי לערוך סגנון כותרת של תבנית בסיס</a:t>
             </a:r>
             <a:endParaRPr lang="en-US"/>
@@ -2488,7 +2996,7 @@
           <a:p>
             <a:pPr lvl="0"/>
             <a:r>
-              <a:rPr lang="he-IL" smtClean="0"/>
+              <a:rPr lang="he-IL"/>
               <a:t>לחץ כדי לערוך סגנונות טקסט של תבנית בסיס</a:t>
             </a:r>
           </a:p>
@@ -2511,7 +3019,7 @@
           <a:p>
             <a:fld id="{6C98C7CF-1E97-43EA-ACA3-83D51F017C5F}" type="datetimeFigureOut">
               <a:rPr lang="en-US" smtClean="0"/>
-              <a:t>11/9/2024</a:t>
+              <a:t>11/13/2024</a:t>
             </a:fld>
             <a:endParaRPr lang="en-US"/>
           </a:p>
@@ -2620,7 +3128,7 @@
           <a:lstStyle/>
           <a:p>
             <a:r>
-              <a:rPr lang="he-IL" smtClean="0"/>
+              <a:rPr lang="he-IL"/>
               <a:t>לחץ כדי לערוך סגנון כותרת של תבנית בסיס</a:t>
             </a:r>
             <a:endParaRPr lang="en-US"/>
@@ -2654,35 +3162,35 @@
           <a:p>
             <a:pPr lvl="0"/>
             <a:r>
-              <a:rPr lang="he-IL" smtClean="0"/>
+              <a:rPr lang="he-IL"/>
               <a:t>לחץ כדי לערוך סגנונות טקסט של תבנית בסיס</a:t>
             </a:r>
           </a:p>
           <a:p>
             <a:pPr lvl="1"/>
             <a:r>
-              <a:rPr lang="he-IL" smtClean="0"/>
+              <a:rPr lang="he-IL"/>
               <a:t>רמה שנייה</a:t>
             </a:r>
           </a:p>
           <a:p>
             <a:pPr lvl="2"/>
             <a:r>
-              <a:rPr lang="he-IL" smtClean="0"/>
+              <a:rPr lang="he-IL"/>
               <a:t>רמה שלישית</a:t>
             </a:r>
           </a:p>
           <a:p>
             <a:pPr lvl="3"/>
             <a:r>
-              <a:rPr lang="he-IL" smtClean="0"/>
+              <a:rPr lang="he-IL"/>
               <a:t>רמה רביעית</a:t>
             </a:r>
           </a:p>
           <a:p>
             <a:pPr lvl="4"/>
             <a:r>
-              <a:rPr lang="he-IL" smtClean="0"/>
+              <a:rPr lang="he-IL"/>
               <a:t>רמה חמישית</a:t>
             </a:r>
             <a:endParaRPr lang="en-US"/>
@@ -2724,7 +3232,7 @@
           <a:p>
             <a:fld id="{6C98C7CF-1E97-43EA-ACA3-83D51F017C5F}" type="datetimeFigureOut">
               <a:rPr lang="en-US" smtClean="0"/>
-              <a:t>11/9/2024</a:t>
+              <a:t>11/13/2024</a:t>
             </a:fld>
             <a:endParaRPr lang="en-US"/>
           </a:p>
@@ -3109,16 +3617,20 @@
             <p:ph type="ctrTitle"/>
           </p:nvPr>
         </p:nvSpPr>
-        <p:spPr/>
+        <p:spPr>
+          <a:xfrm>
+            <a:off x="762000" y="295056"/>
+            <a:ext cx="7772400" cy="1470025"/>
+          </a:xfrm>
+        </p:spPr>
         <p:txBody>
           <a:bodyPr/>
           <a:lstStyle/>
           <a:p>
             <a:r>
-              <a:rPr lang="en-US" dirty="0" smtClean="0"/>
+              <a:rPr lang="en-US" dirty="0"/>
               <a:t>How does sport affect art sentiment?</a:t>
             </a:r>
-            <a:endParaRPr lang="en-US" dirty="0"/>
           </a:p>
         </p:txBody>
       </p:sp>
@@ -3132,34 +3644,138 @@
             <p:ph type="subTitle" idx="1"/>
           </p:nvPr>
         </p:nvSpPr>
-        <p:spPr/>
+        <p:spPr>
+          <a:xfrm>
+            <a:off x="1371600" y="1774606"/>
+            <a:ext cx="6400800" cy="1752600"/>
+          </a:xfrm>
+        </p:spPr>
         <p:txBody>
           <a:bodyPr/>
           <a:lstStyle/>
           <a:p>
             <a:r>
-              <a:rPr lang="en-US" dirty="0" smtClean="0"/>
+              <a:rPr lang="en-US" dirty="0">
+                <a:solidFill>
+                  <a:schemeClr val="tx1"/>
+                </a:solidFill>
+              </a:rPr>
+              <a:t>Valerie Melul</a:t>
+            </a:r>
+          </a:p>
+          <a:p>
+            <a:r>
+              <a:rPr lang="en-US" dirty="0">
+                <a:solidFill>
+                  <a:schemeClr val="tx1"/>
+                </a:solidFill>
+              </a:rPr>
               <a:t>Yuval </a:t>
             </a:r>
             <a:r>
-              <a:rPr lang="en-US" dirty="0" err="1" smtClean="0"/>
+              <a:rPr lang="en-US" dirty="0" err="1">
+                <a:solidFill>
+                  <a:schemeClr val="tx1"/>
+                </a:solidFill>
+              </a:rPr>
               <a:t>Saadaty</a:t>
             </a:r>
-            <a:endParaRPr lang="en-US" dirty="0" smtClean="0"/>
-          </a:p>
-          <a:p>
-            <a:r>
-              <a:rPr lang="en-US" dirty="0" smtClean="0"/>
-              <a:t>Valerie </a:t>
-            </a:r>
-            <a:r>
-              <a:rPr lang="en-US" dirty="0" err="1" smtClean="0"/>
-              <a:t>Melul</a:t>
-            </a:r>
-            <a:endParaRPr lang="en-US" dirty="0"/>
-          </a:p>
-        </p:txBody>
-      </p:sp>
+            <a:endParaRPr lang="en-US" dirty="0">
+              <a:solidFill>
+                <a:schemeClr val="tx1"/>
+              </a:solidFill>
+            </a:endParaRPr>
+          </a:p>
+          <a:p>
+            <a:endParaRPr lang="en-US" dirty="0">
+              <a:solidFill>
+                <a:schemeClr val="tx1"/>
+              </a:solidFill>
+            </a:endParaRPr>
+          </a:p>
+        </p:txBody>
+      </p:sp>
+      <p:sp>
+        <p:nvSpPr>
+          <p:cNvPr id="4" name="TextBox 3"/>
+          <p:cNvSpPr txBox="1"/>
+          <p:nvPr/>
+        </p:nvSpPr>
+        <p:spPr>
+          <a:xfrm>
+            <a:off x="2743200" y="2880875"/>
+            <a:ext cx="3657600" cy="646331"/>
+          </a:xfrm>
+          <a:prstGeom prst="rect">
+            <a:avLst/>
+          </a:prstGeom>
+          <a:noFill/>
+        </p:spPr>
+        <p:txBody>
+          <a:bodyPr wrap="square" rtlCol="0">
+            <a:spAutoFit/>
+          </a:bodyPr>
+          <a:lstStyle/>
+          <a:p>
+            <a:pPr algn="ctr"/>
+            <a:r>
+              <a:rPr lang="en-US" dirty="0"/>
+              <a:t>Internet behavior, Pr. </a:t>
+            </a:r>
+            <a:r>
+              <a:rPr lang="en-US" dirty="0" err="1"/>
+              <a:t>Elad</a:t>
+            </a:r>
+            <a:r>
+              <a:rPr lang="en-US" dirty="0"/>
+              <a:t> Yom-Tov</a:t>
+            </a:r>
+          </a:p>
+          <a:p>
+            <a:pPr algn="ctr"/>
+            <a:r>
+              <a:rPr lang="en-US" dirty="0"/>
+              <a:t>November 2024</a:t>
+            </a:r>
+          </a:p>
+        </p:txBody>
+      </p:sp>
+      <p:pic>
+        <p:nvPicPr>
+          <p:cNvPr id="6" name="Picture 5" descr="A person in a football uniform painting a football field&#10;&#10;Description automatically generated">
+            <a:extLst>
+              <a:ext uri="{FF2B5EF4-FFF2-40B4-BE49-F238E27FC236}">
+                <a16:creationId xmlns:a16="http://schemas.microsoft.com/office/drawing/2014/main" id="{CD5B4655-D06F-46B2-ABDA-7B711EF44147}"/>
+              </a:ext>
+            </a:extLst>
+          </p:cNvPr>
+          <p:cNvPicPr>
+            <a:picLocks noChangeAspect="1"/>
+          </p:cNvPicPr>
+          <p:nvPr/>
+        </p:nvPicPr>
+        <p:blipFill>
+          <a:blip r:embed="rId2" cstate="print">
+            <a:extLst>
+              <a:ext uri="{28A0092B-C50C-407E-A947-70E740481C1C}">
+                <a14:useLocalDpi xmlns:a14="http://schemas.microsoft.com/office/drawing/2010/main" val="0"/>
+              </a:ext>
+            </a:extLst>
+          </a:blip>
+          <a:stretch>
+            <a:fillRect/>
+          </a:stretch>
+        </p:blipFill>
+        <p:spPr>
+          <a:xfrm>
+            <a:off x="2133600" y="3733800"/>
+            <a:ext cx="5020622" cy="2868927"/>
+          </a:xfrm>
+          <a:prstGeom prst="rect">
+            <a:avLst/>
+          </a:prstGeom>
+        </p:spPr>
+      </p:pic>
     </p:spTree>
     <p:extLst>
       <p:ext uri="{BB962C8B-B14F-4D97-AF65-F5344CB8AC3E}">
@@ -3170,18 +3786,3046 @@
   <p:clrMapOvr>
     <a:masterClrMapping/>
   </p:clrMapOvr>
-  <p:timing>
-    <p:tnLst>
-      <p:par>
-        <p:cTn id="1" dur="indefinite" restart="never" nodeType="tmRoot"/>
-      </p:par>
-    </p:tnLst>
-  </p:timing>
 </p:sld>
 </file>
 
 <file path=ppt/slides/slide2.xml><?xml version="1.0" encoding="utf-8"?>
 <p:sld xmlns:a="http://schemas.openxmlformats.org/drawingml/2006/main" xmlns:r="http://schemas.openxmlformats.org/officeDocument/2006/relationships" xmlns:p="http://schemas.openxmlformats.org/presentationml/2006/main">
+  <p:cSld>
+    <p:spTree>
+      <p:nvGrpSpPr>
+        <p:cNvPr id="1" name=""/>
+        <p:cNvGrpSpPr/>
+        <p:nvPr/>
+      </p:nvGrpSpPr>
+      <p:grpSpPr>
+        <a:xfrm>
+          <a:off x="0" y="0"/>
+          <a:ext cx="0" cy="0"/>
+          <a:chOff x="0" y="0"/>
+          <a:chExt cx="0" cy="0"/>
+        </a:xfrm>
+      </p:grpSpPr>
+      <p:sp>
+        <p:nvSpPr>
+          <p:cNvPr id="2" name="כותרת 1"/>
+          <p:cNvSpPr>
+            <a:spLocks noGrp="1"/>
+          </p:cNvSpPr>
+          <p:nvPr>
+            <p:ph type="title"/>
+          </p:nvPr>
+        </p:nvSpPr>
+        <p:spPr/>
+        <p:txBody>
+          <a:bodyPr/>
+          <a:lstStyle/>
+          <a:p>
+            <a:r>
+              <a:rPr lang="en-US" dirty="0"/>
+              <a:t>Data set principles</a:t>
+            </a:r>
+          </a:p>
+        </p:txBody>
+      </p:sp>
+      <p:sp>
+        <p:nvSpPr>
+          <p:cNvPr id="3" name="מציין מיקום תוכן 2"/>
+          <p:cNvSpPr>
+            <a:spLocks noGrp="1"/>
+          </p:cNvSpPr>
+          <p:nvPr>
+            <p:ph idx="1"/>
+          </p:nvPr>
+        </p:nvSpPr>
+        <p:spPr/>
+        <p:txBody>
+          <a:bodyPr>
+            <a:normAutofit fontScale="92500" lnSpcReduction="20000"/>
+          </a:bodyPr>
+          <a:lstStyle/>
+          <a:p>
+            <a:pPr>
+              <a:lnSpc>
+                <a:spcPct val="150000"/>
+              </a:lnSpc>
+            </a:pPr>
+            <a:r>
+              <a:rPr lang="en-US" dirty="0"/>
+              <a:t>Internet data from English </a:t>
+            </a:r>
+            <a:r>
+              <a:rPr lang="en-US" b="1" dirty="0"/>
+              <a:t>Reddit</a:t>
+            </a:r>
+            <a:r>
+              <a:rPr lang="en-US" dirty="0"/>
+              <a:t> forums</a:t>
+            </a:r>
+          </a:p>
+          <a:p>
+            <a:pPr eaLnBrk="0" fontAlgn="base" hangingPunct="0">
+              <a:lnSpc>
+                <a:spcPct val="150000"/>
+              </a:lnSpc>
+              <a:spcBef>
+                <a:spcPct val="0"/>
+              </a:spcBef>
+              <a:spcAft>
+                <a:spcPct val="0"/>
+              </a:spcAft>
+            </a:pPr>
+            <a:r>
+              <a:rPr lang="en-US" dirty="0"/>
+              <a:t>Users who posted </a:t>
+            </a:r>
+            <a:r>
+              <a:rPr lang="en-US" b="1" dirty="0"/>
+              <a:t>only in art </a:t>
+            </a:r>
+            <a:r>
+              <a:rPr kumimoji="0" lang="en-US" altLang="en-US" i="0" u="none" strike="noStrike" cap="none" normalizeH="0" baseline="0" dirty="0">
+                <a:ln>
+                  <a:noFill/>
+                </a:ln>
+                <a:effectLst/>
+              </a:rPr>
+              <a:t>subreddits (e.g., </a:t>
+            </a:r>
+            <a:r>
+              <a:rPr kumimoji="0" lang="en-US" altLang="en-US" i="0" u="none" strike="noStrike" cap="none" normalizeH="0" baseline="0" dirty="0" err="1">
+                <a:ln>
+                  <a:noFill/>
+                </a:ln>
+                <a:effectLst/>
+              </a:rPr>
+              <a:t>ArtCrit</a:t>
+            </a:r>
+            <a:r>
+              <a:rPr kumimoji="0" lang="en-US" altLang="en-US" i="0" u="none" strike="noStrike" cap="none" normalizeH="0" baseline="0" dirty="0">
+                <a:ln>
+                  <a:noFill/>
+                </a:ln>
+                <a:effectLst/>
+              </a:rPr>
+              <a:t>, </a:t>
+            </a:r>
+            <a:r>
+              <a:rPr lang="en-US" dirty="0" err="1">
+                <a:effectLst/>
+              </a:rPr>
+              <a:t>ArtistLounge</a:t>
+            </a:r>
+            <a:r>
+              <a:rPr lang="en-US" dirty="0"/>
+              <a:t>, art</a:t>
+            </a:r>
+            <a:r>
+              <a:rPr kumimoji="0" lang="en-US" altLang="en-US" i="0" u="none" strike="noStrike" cap="none" normalizeH="0" baseline="0" dirty="0">
+                <a:ln>
+                  <a:noFill/>
+                </a:ln>
+                <a:effectLst/>
+              </a:rPr>
+              <a:t>) </a:t>
+            </a:r>
+            <a:endParaRPr lang="en-US" dirty="0"/>
+          </a:p>
+          <a:p>
+            <a:pPr eaLnBrk="0" fontAlgn="base" hangingPunct="0">
+              <a:lnSpc>
+                <a:spcPct val="150000"/>
+              </a:lnSpc>
+              <a:spcBef>
+                <a:spcPct val="0"/>
+              </a:spcBef>
+              <a:spcAft>
+                <a:spcPct val="0"/>
+              </a:spcAft>
+            </a:pPr>
+            <a:r>
+              <a:rPr lang="en-US" dirty="0"/>
+              <a:t>Users who posted in </a:t>
+            </a:r>
+            <a:r>
+              <a:rPr lang="en-US" b="1" dirty="0"/>
+              <a:t>both</a:t>
+            </a:r>
+            <a:r>
+              <a:rPr lang="en-US" dirty="0"/>
+              <a:t> </a:t>
+            </a:r>
+            <a:r>
+              <a:rPr lang="en-US" b="1" dirty="0"/>
+              <a:t>art</a:t>
+            </a:r>
+            <a:r>
+              <a:rPr lang="en-US" dirty="0"/>
+              <a:t> and </a:t>
+            </a:r>
+            <a:r>
+              <a:rPr lang="en-US" b="1" dirty="0"/>
+              <a:t>sports</a:t>
+            </a:r>
+            <a:r>
+              <a:rPr lang="en-US" dirty="0"/>
+              <a:t> </a:t>
+            </a:r>
+            <a:r>
+              <a:rPr kumimoji="0" lang="en-US" altLang="en-US" i="0" u="none" strike="noStrike" cap="none" normalizeH="0" baseline="0" dirty="0">
+                <a:ln>
+                  <a:noFill/>
+                </a:ln>
+                <a:effectLst/>
+              </a:rPr>
+              <a:t>(e.g., Fitness, </a:t>
+            </a:r>
+            <a:r>
+              <a:rPr lang="en-US" dirty="0">
+                <a:effectLst/>
+              </a:rPr>
+              <a:t>running, sports</a:t>
+            </a:r>
+            <a:r>
+              <a:rPr kumimoji="0" lang="en-US" altLang="en-US" i="0" u="none" strike="noStrike" cap="none" normalizeH="0" baseline="0" dirty="0">
+                <a:ln>
+                  <a:noFill/>
+                </a:ln>
+                <a:effectLst/>
+              </a:rPr>
+              <a:t>) subreddits</a:t>
+            </a:r>
+            <a:r>
+              <a:rPr lang="en-US" dirty="0"/>
+              <a:t>.</a:t>
+            </a:r>
+          </a:p>
+          <a:p>
+            <a:r>
+              <a:rPr lang="en-US" dirty="0"/>
+              <a:t>Although not natural, potentially not under our control: selection done by users themselves, with our </a:t>
+            </a:r>
+            <a:r>
+              <a:rPr lang="en-US" b="1" dirty="0"/>
+              <a:t>minimal intervention</a:t>
+            </a:r>
+          </a:p>
+          <a:p>
+            <a:endParaRPr lang="en-US" dirty="0"/>
+          </a:p>
+        </p:txBody>
+      </p:sp>
+      <p:pic>
+        <p:nvPicPr>
+          <p:cNvPr id="4" name="Picture 4" descr="Reddit Logo and symbol, meaning, history, PNG, brand">
+            <a:extLst>
+              <a:ext uri="{FF2B5EF4-FFF2-40B4-BE49-F238E27FC236}">
+                <a16:creationId xmlns:a16="http://schemas.microsoft.com/office/drawing/2014/main" id="{9FBA4103-A835-4307-9771-F567E6246F4C}"/>
+              </a:ext>
+            </a:extLst>
+          </p:cNvPr>
+          <p:cNvPicPr>
+            <a:picLocks noChangeAspect="1" noChangeArrowheads="1"/>
+          </p:cNvPicPr>
+          <p:nvPr/>
+        </p:nvPicPr>
+        <p:blipFill rotWithShape="1">
+          <a:blip r:embed="rId3" cstate="print">
+            <a:extLst>
+              <a:ext uri="{28A0092B-C50C-407E-A947-70E740481C1C}">
+                <a14:useLocalDpi xmlns:a14="http://schemas.microsoft.com/office/drawing/2010/main" val="0"/>
+              </a:ext>
+            </a:extLst>
+          </a:blip>
+          <a:srcRect t="24955" b="19872"/>
+          <a:stretch/>
+        </p:blipFill>
+        <p:spPr bwMode="auto">
+          <a:xfrm>
+            <a:off x="7467600" y="1752600"/>
+            <a:ext cx="1324854" cy="411162"/>
+          </a:xfrm>
+          <a:prstGeom prst="rect">
+            <a:avLst/>
+          </a:prstGeom>
+          <a:ln>
+            <a:noFill/>
+          </a:ln>
+          <a:effectLst>
+            <a:outerShdw blurRad="292100" dist="139700" dir="2700000" algn="tl" rotWithShape="0">
+              <a:srgbClr val="333333">
+                <a:alpha val="65000"/>
+              </a:srgbClr>
+            </a:outerShdw>
+          </a:effectLst>
+          <a:extLst>
+            <a:ext uri="{909E8E84-426E-40DD-AFC4-6F175D3DCCD1}">
+              <a14:hiddenFill xmlns:a14="http://schemas.microsoft.com/office/drawing/2010/main">
+                <a:solidFill>
+                  <a:srgbClr val="FFFFFF"/>
+                </a:solidFill>
+              </a14:hiddenFill>
+            </a:ext>
+          </a:extLst>
+        </p:spPr>
+      </p:pic>
+    </p:spTree>
+    <p:extLst>
+      <p:ext uri="{BB962C8B-B14F-4D97-AF65-F5344CB8AC3E}">
+        <p14:creationId xmlns:p14="http://schemas.microsoft.com/office/powerpoint/2010/main" val="2418033030"/>
+      </p:ext>
+    </p:extLst>
+  </p:cSld>
+  <p:clrMapOvr>
+    <a:masterClrMapping/>
+  </p:clrMapOvr>
+</p:sld>
+</file>
+
+<file path=ppt/slides/slide3.xml><?xml version="1.0" encoding="utf-8"?>
+<p:sld xmlns:a="http://schemas.openxmlformats.org/drawingml/2006/main" xmlns:r="http://schemas.openxmlformats.org/officeDocument/2006/relationships" xmlns:p="http://schemas.openxmlformats.org/presentationml/2006/main">
+  <p:cSld>
+    <p:spTree>
+      <p:nvGrpSpPr>
+        <p:cNvPr id="1" name=""/>
+        <p:cNvGrpSpPr/>
+        <p:nvPr/>
+      </p:nvGrpSpPr>
+      <p:grpSpPr>
+        <a:xfrm>
+          <a:off x="0" y="0"/>
+          <a:ext cx="0" cy="0"/>
+          <a:chOff x="0" y="0"/>
+          <a:chExt cx="0" cy="0"/>
+        </a:xfrm>
+      </p:grpSpPr>
+      <p:sp>
+        <p:nvSpPr>
+          <p:cNvPr id="2" name="כותרת 1"/>
+          <p:cNvSpPr>
+            <a:spLocks noGrp="1"/>
+          </p:cNvSpPr>
+          <p:nvPr>
+            <p:ph type="title"/>
+          </p:nvPr>
+        </p:nvSpPr>
+        <p:spPr/>
+        <p:txBody>
+          <a:bodyPr/>
+          <a:lstStyle/>
+          <a:p>
+            <a:r>
+              <a:rPr lang="en-US" dirty="0"/>
+              <a:t>Data set</a:t>
+            </a:r>
+          </a:p>
+        </p:txBody>
+      </p:sp>
+      <p:sp>
+        <p:nvSpPr>
+          <p:cNvPr id="4" name="אליפסה 3"/>
+          <p:cNvSpPr/>
+          <p:nvPr/>
+        </p:nvSpPr>
+        <p:spPr>
+          <a:xfrm>
+            <a:off x="533400" y="1351280"/>
+            <a:ext cx="5219700" cy="4820920"/>
+          </a:xfrm>
+          <a:prstGeom prst="ellipse">
+            <a:avLst/>
+          </a:prstGeom>
+          <a:solidFill>
+            <a:srgbClr val="F321E9">
+              <a:alpha val="25000"/>
+            </a:srgbClr>
+          </a:solidFill>
+        </p:spPr>
+        <p:style>
+          <a:lnRef idx="2">
+            <a:schemeClr val="accent1">
+              <a:shade val="50000"/>
+            </a:schemeClr>
+          </a:lnRef>
+          <a:fillRef idx="1">
+            <a:schemeClr val="accent1"/>
+          </a:fillRef>
+          <a:effectRef idx="0">
+            <a:schemeClr val="accent1"/>
+          </a:effectRef>
+          <a:fontRef idx="minor">
+            <a:schemeClr val="lt1"/>
+          </a:fontRef>
+        </p:style>
+        <p:txBody>
+          <a:bodyPr rtlCol="0" anchor="ctr"/>
+          <a:lstStyle/>
+          <a:p>
+            <a:pPr algn="ctr"/>
+            <a:r>
+              <a:rPr lang="en-US" sz="7200" dirty="0">
+                <a:solidFill>
+                  <a:schemeClr val="tx1"/>
+                </a:solidFill>
+              </a:rPr>
+              <a:t>Art</a:t>
+            </a:r>
+          </a:p>
+        </p:txBody>
+      </p:sp>
+      <p:sp>
+        <p:nvSpPr>
+          <p:cNvPr id="5" name="אליפסה 4"/>
+          <p:cNvSpPr/>
+          <p:nvPr/>
+        </p:nvSpPr>
+        <p:spPr>
+          <a:xfrm>
+            <a:off x="3733800" y="1351280"/>
+            <a:ext cx="4800600" cy="4800600"/>
+          </a:xfrm>
+          <a:prstGeom prst="ellipse">
+            <a:avLst/>
+          </a:prstGeom>
+          <a:solidFill>
+            <a:srgbClr val="4761E3">
+              <a:alpha val="32941"/>
+            </a:srgbClr>
+          </a:solidFill>
+        </p:spPr>
+        <p:style>
+          <a:lnRef idx="2">
+            <a:schemeClr val="accent1">
+              <a:shade val="50000"/>
+            </a:schemeClr>
+          </a:lnRef>
+          <a:fillRef idx="1">
+            <a:schemeClr val="accent1"/>
+          </a:fillRef>
+          <a:effectRef idx="0">
+            <a:schemeClr val="accent1"/>
+          </a:effectRef>
+          <a:fontRef idx="minor">
+            <a:schemeClr val="lt1"/>
+          </a:fontRef>
+        </p:style>
+        <p:txBody>
+          <a:bodyPr rtlCol="0" anchor="ctr"/>
+          <a:lstStyle/>
+          <a:p>
+            <a:pPr algn="ctr"/>
+            <a:r>
+              <a:rPr lang="en-US" sz="7200" dirty="0">
+                <a:solidFill>
+                  <a:schemeClr val="tx1"/>
+                </a:solidFill>
+              </a:rPr>
+              <a:t>Sport</a:t>
+            </a:r>
+          </a:p>
+        </p:txBody>
+      </p:sp>
+      <p:sp>
+        <p:nvSpPr>
+          <p:cNvPr id="6" name="תרשים זרימה: מחבר 5"/>
+          <p:cNvSpPr/>
+          <p:nvPr/>
+        </p:nvSpPr>
+        <p:spPr>
+          <a:xfrm>
+            <a:off x="1676400" y="2057400"/>
+            <a:ext cx="76200" cy="76200"/>
+          </a:xfrm>
+          <a:prstGeom prst="flowChartConnector">
+            <a:avLst/>
+          </a:prstGeom>
+        </p:spPr>
+        <p:style>
+          <a:lnRef idx="2">
+            <a:schemeClr val="accent1">
+              <a:shade val="50000"/>
+            </a:schemeClr>
+          </a:lnRef>
+          <a:fillRef idx="1">
+            <a:schemeClr val="accent1"/>
+          </a:fillRef>
+          <a:effectRef idx="0">
+            <a:schemeClr val="accent1"/>
+          </a:effectRef>
+          <a:fontRef idx="minor">
+            <a:schemeClr val="lt1"/>
+          </a:fontRef>
+        </p:style>
+        <p:txBody>
+          <a:bodyPr rtlCol="0" anchor="ctr"/>
+          <a:lstStyle/>
+          <a:p>
+            <a:pPr algn="ctr"/>
+            <a:endParaRPr lang="en-US"/>
+          </a:p>
+        </p:txBody>
+      </p:sp>
+      <p:sp>
+        <p:nvSpPr>
+          <p:cNvPr id="7" name="תרשים זרימה: מחבר 6"/>
+          <p:cNvSpPr/>
+          <p:nvPr/>
+        </p:nvSpPr>
+        <p:spPr>
+          <a:xfrm>
+            <a:off x="1143000" y="3314700"/>
+            <a:ext cx="76200" cy="76200"/>
+          </a:xfrm>
+          <a:prstGeom prst="flowChartConnector">
+            <a:avLst/>
+          </a:prstGeom>
+        </p:spPr>
+        <p:style>
+          <a:lnRef idx="2">
+            <a:schemeClr val="accent1">
+              <a:shade val="50000"/>
+            </a:schemeClr>
+          </a:lnRef>
+          <a:fillRef idx="1">
+            <a:schemeClr val="accent1"/>
+          </a:fillRef>
+          <a:effectRef idx="0">
+            <a:schemeClr val="accent1"/>
+          </a:effectRef>
+          <a:fontRef idx="minor">
+            <a:schemeClr val="lt1"/>
+          </a:fontRef>
+        </p:style>
+        <p:txBody>
+          <a:bodyPr rtlCol="0" anchor="ctr"/>
+          <a:lstStyle/>
+          <a:p>
+            <a:pPr algn="ctr"/>
+            <a:endParaRPr lang="en-US"/>
+          </a:p>
+        </p:txBody>
+      </p:sp>
+      <p:sp>
+        <p:nvSpPr>
+          <p:cNvPr id="8" name="תרשים זרימה: מחבר 7"/>
+          <p:cNvSpPr/>
+          <p:nvPr/>
+        </p:nvSpPr>
+        <p:spPr>
+          <a:xfrm>
+            <a:off x="3322320" y="2286000"/>
+            <a:ext cx="76200" cy="76200"/>
+          </a:xfrm>
+          <a:prstGeom prst="flowChartConnector">
+            <a:avLst/>
+          </a:prstGeom>
+        </p:spPr>
+        <p:style>
+          <a:lnRef idx="2">
+            <a:schemeClr val="accent1">
+              <a:shade val="50000"/>
+            </a:schemeClr>
+          </a:lnRef>
+          <a:fillRef idx="1">
+            <a:schemeClr val="accent1"/>
+          </a:fillRef>
+          <a:effectRef idx="0">
+            <a:schemeClr val="accent1"/>
+          </a:effectRef>
+          <a:fontRef idx="minor">
+            <a:schemeClr val="lt1"/>
+          </a:fontRef>
+        </p:style>
+        <p:txBody>
+          <a:bodyPr rtlCol="0" anchor="ctr"/>
+          <a:lstStyle/>
+          <a:p>
+            <a:pPr algn="ctr"/>
+            <a:endParaRPr lang="en-US"/>
+          </a:p>
+        </p:txBody>
+      </p:sp>
+      <p:sp>
+        <p:nvSpPr>
+          <p:cNvPr id="9" name="תרשים זרימה: מחבר 8"/>
+          <p:cNvSpPr/>
+          <p:nvPr/>
+        </p:nvSpPr>
+        <p:spPr>
+          <a:xfrm>
+            <a:off x="2781300" y="1600200"/>
+            <a:ext cx="76200" cy="76200"/>
+          </a:xfrm>
+          <a:prstGeom prst="flowChartConnector">
+            <a:avLst/>
+          </a:prstGeom>
+        </p:spPr>
+        <p:style>
+          <a:lnRef idx="2">
+            <a:schemeClr val="accent1">
+              <a:shade val="50000"/>
+            </a:schemeClr>
+          </a:lnRef>
+          <a:fillRef idx="1">
+            <a:schemeClr val="accent1"/>
+          </a:fillRef>
+          <a:effectRef idx="0">
+            <a:schemeClr val="accent1"/>
+          </a:effectRef>
+          <a:fontRef idx="minor">
+            <a:schemeClr val="lt1"/>
+          </a:fontRef>
+        </p:style>
+        <p:txBody>
+          <a:bodyPr rtlCol="0" anchor="ctr"/>
+          <a:lstStyle/>
+          <a:p>
+            <a:pPr algn="ctr"/>
+            <a:endParaRPr lang="en-US"/>
+          </a:p>
+        </p:txBody>
+      </p:sp>
+      <p:sp>
+        <p:nvSpPr>
+          <p:cNvPr id="10" name="תרשים זרימה: מחבר 9"/>
+          <p:cNvSpPr/>
+          <p:nvPr/>
+        </p:nvSpPr>
+        <p:spPr>
+          <a:xfrm>
+            <a:off x="2362200" y="4648200"/>
+            <a:ext cx="76200" cy="76200"/>
+          </a:xfrm>
+          <a:prstGeom prst="flowChartConnector">
+            <a:avLst/>
+          </a:prstGeom>
+        </p:spPr>
+        <p:style>
+          <a:lnRef idx="2">
+            <a:schemeClr val="accent1">
+              <a:shade val="50000"/>
+            </a:schemeClr>
+          </a:lnRef>
+          <a:fillRef idx="1">
+            <a:schemeClr val="accent1"/>
+          </a:fillRef>
+          <a:effectRef idx="0">
+            <a:schemeClr val="accent1"/>
+          </a:effectRef>
+          <a:fontRef idx="minor">
+            <a:schemeClr val="lt1"/>
+          </a:fontRef>
+        </p:style>
+        <p:txBody>
+          <a:bodyPr rtlCol="0" anchor="ctr"/>
+          <a:lstStyle/>
+          <a:p>
+            <a:pPr algn="ctr"/>
+            <a:endParaRPr lang="en-US"/>
+          </a:p>
+        </p:txBody>
+      </p:sp>
+      <p:sp>
+        <p:nvSpPr>
+          <p:cNvPr id="11" name="תרשים זרימה: מחבר 10"/>
+          <p:cNvSpPr/>
+          <p:nvPr/>
+        </p:nvSpPr>
+        <p:spPr>
+          <a:xfrm>
+            <a:off x="2186940" y="3505200"/>
+            <a:ext cx="76200" cy="76200"/>
+          </a:xfrm>
+          <a:prstGeom prst="flowChartConnector">
+            <a:avLst/>
+          </a:prstGeom>
+        </p:spPr>
+        <p:style>
+          <a:lnRef idx="2">
+            <a:schemeClr val="accent1">
+              <a:shade val="50000"/>
+            </a:schemeClr>
+          </a:lnRef>
+          <a:fillRef idx="1">
+            <a:schemeClr val="accent1"/>
+          </a:fillRef>
+          <a:effectRef idx="0">
+            <a:schemeClr val="accent1"/>
+          </a:effectRef>
+          <a:fontRef idx="minor">
+            <a:schemeClr val="lt1"/>
+          </a:fontRef>
+        </p:style>
+        <p:txBody>
+          <a:bodyPr rtlCol="0" anchor="ctr"/>
+          <a:lstStyle/>
+          <a:p>
+            <a:pPr algn="ctr"/>
+            <a:endParaRPr lang="en-US"/>
+          </a:p>
+        </p:txBody>
+      </p:sp>
+      <p:sp>
+        <p:nvSpPr>
+          <p:cNvPr id="12" name="תרשים זרימה: מחבר 11"/>
+          <p:cNvSpPr/>
+          <p:nvPr/>
+        </p:nvSpPr>
+        <p:spPr>
+          <a:xfrm>
+            <a:off x="4800600" y="2603500"/>
+            <a:ext cx="76200" cy="76200"/>
+          </a:xfrm>
+          <a:prstGeom prst="flowChartConnector">
+            <a:avLst/>
+          </a:prstGeom>
+        </p:spPr>
+        <p:style>
+          <a:lnRef idx="2">
+            <a:schemeClr val="accent1">
+              <a:shade val="50000"/>
+            </a:schemeClr>
+          </a:lnRef>
+          <a:fillRef idx="1">
+            <a:schemeClr val="accent1"/>
+          </a:fillRef>
+          <a:effectRef idx="0">
+            <a:schemeClr val="accent1"/>
+          </a:effectRef>
+          <a:fontRef idx="minor">
+            <a:schemeClr val="lt1"/>
+          </a:fontRef>
+        </p:style>
+        <p:txBody>
+          <a:bodyPr rtlCol="0" anchor="ctr"/>
+          <a:lstStyle/>
+          <a:p>
+            <a:pPr algn="ctr"/>
+            <a:endParaRPr lang="en-US"/>
+          </a:p>
+        </p:txBody>
+      </p:sp>
+      <p:sp>
+        <p:nvSpPr>
+          <p:cNvPr id="13" name="תרשים זרימה: מחבר 12"/>
+          <p:cNvSpPr/>
+          <p:nvPr/>
+        </p:nvSpPr>
+        <p:spPr>
+          <a:xfrm>
+            <a:off x="2438400" y="2565400"/>
+            <a:ext cx="76200" cy="76200"/>
+          </a:xfrm>
+          <a:prstGeom prst="flowChartConnector">
+            <a:avLst/>
+          </a:prstGeom>
+        </p:spPr>
+        <p:style>
+          <a:lnRef idx="2">
+            <a:schemeClr val="accent1">
+              <a:shade val="50000"/>
+            </a:schemeClr>
+          </a:lnRef>
+          <a:fillRef idx="1">
+            <a:schemeClr val="accent1"/>
+          </a:fillRef>
+          <a:effectRef idx="0">
+            <a:schemeClr val="accent1"/>
+          </a:effectRef>
+          <a:fontRef idx="minor">
+            <a:schemeClr val="lt1"/>
+          </a:fontRef>
+        </p:style>
+        <p:txBody>
+          <a:bodyPr rtlCol="0" anchor="ctr"/>
+          <a:lstStyle/>
+          <a:p>
+            <a:pPr algn="ctr"/>
+            <a:endParaRPr lang="en-US"/>
+          </a:p>
+        </p:txBody>
+      </p:sp>
+      <p:sp>
+        <p:nvSpPr>
+          <p:cNvPr id="14" name="תרשים זרימה: מחבר 13"/>
+          <p:cNvSpPr/>
+          <p:nvPr/>
+        </p:nvSpPr>
+        <p:spPr>
+          <a:xfrm>
+            <a:off x="3284220" y="3223260"/>
+            <a:ext cx="76200" cy="76200"/>
+          </a:xfrm>
+          <a:prstGeom prst="flowChartConnector">
+            <a:avLst/>
+          </a:prstGeom>
+        </p:spPr>
+        <p:style>
+          <a:lnRef idx="2">
+            <a:schemeClr val="accent1">
+              <a:shade val="50000"/>
+            </a:schemeClr>
+          </a:lnRef>
+          <a:fillRef idx="1">
+            <a:schemeClr val="accent1"/>
+          </a:fillRef>
+          <a:effectRef idx="0">
+            <a:schemeClr val="accent1"/>
+          </a:effectRef>
+          <a:fontRef idx="minor">
+            <a:schemeClr val="lt1"/>
+          </a:fontRef>
+        </p:style>
+        <p:txBody>
+          <a:bodyPr rtlCol="0" anchor="ctr"/>
+          <a:lstStyle/>
+          <a:p>
+            <a:pPr algn="ctr"/>
+            <a:endParaRPr lang="en-US"/>
+          </a:p>
+        </p:txBody>
+      </p:sp>
+      <p:sp>
+        <p:nvSpPr>
+          <p:cNvPr id="15" name="תרשים זרימה: מחבר 14"/>
+          <p:cNvSpPr/>
+          <p:nvPr/>
+        </p:nvSpPr>
+        <p:spPr>
+          <a:xfrm>
+            <a:off x="1234440" y="4724400"/>
+            <a:ext cx="76200" cy="76200"/>
+          </a:xfrm>
+          <a:prstGeom prst="flowChartConnector">
+            <a:avLst/>
+          </a:prstGeom>
+        </p:spPr>
+        <p:style>
+          <a:lnRef idx="2">
+            <a:schemeClr val="accent1">
+              <a:shade val="50000"/>
+            </a:schemeClr>
+          </a:lnRef>
+          <a:fillRef idx="1">
+            <a:schemeClr val="accent1"/>
+          </a:fillRef>
+          <a:effectRef idx="0">
+            <a:schemeClr val="accent1"/>
+          </a:effectRef>
+          <a:fontRef idx="minor">
+            <a:schemeClr val="lt1"/>
+          </a:fontRef>
+        </p:style>
+        <p:txBody>
+          <a:bodyPr rtlCol="0" anchor="ctr"/>
+          <a:lstStyle/>
+          <a:p>
+            <a:pPr algn="ctr"/>
+            <a:endParaRPr lang="en-US"/>
+          </a:p>
+        </p:txBody>
+      </p:sp>
+      <p:sp>
+        <p:nvSpPr>
+          <p:cNvPr id="16" name="תרשים זרימה: מחבר 15"/>
+          <p:cNvSpPr/>
+          <p:nvPr/>
+        </p:nvSpPr>
+        <p:spPr>
+          <a:xfrm>
+            <a:off x="2743200" y="5638800"/>
+            <a:ext cx="76200" cy="76200"/>
+          </a:xfrm>
+          <a:prstGeom prst="flowChartConnector">
+            <a:avLst/>
+          </a:prstGeom>
+        </p:spPr>
+        <p:style>
+          <a:lnRef idx="2">
+            <a:schemeClr val="accent1">
+              <a:shade val="50000"/>
+            </a:schemeClr>
+          </a:lnRef>
+          <a:fillRef idx="1">
+            <a:schemeClr val="accent1"/>
+          </a:fillRef>
+          <a:effectRef idx="0">
+            <a:schemeClr val="accent1"/>
+          </a:effectRef>
+          <a:fontRef idx="minor">
+            <a:schemeClr val="lt1"/>
+          </a:fontRef>
+        </p:style>
+        <p:txBody>
+          <a:bodyPr rtlCol="0" anchor="ctr"/>
+          <a:lstStyle/>
+          <a:p>
+            <a:pPr algn="ctr"/>
+            <a:endParaRPr lang="en-US"/>
+          </a:p>
+        </p:txBody>
+      </p:sp>
+      <p:sp>
+        <p:nvSpPr>
+          <p:cNvPr id="17" name="תרשים זרימה: מחבר 16"/>
+          <p:cNvSpPr/>
+          <p:nvPr/>
+        </p:nvSpPr>
+        <p:spPr>
+          <a:xfrm>
+            <a:off x="4191000" y="3393440"/>
+            <a:ext cx="76200" cy="76200"/>
+          </a:xfrm>
+          <a:prstGeom prst="flowChartConnector">
+            <a:avLst/>
+          </a:prstGeom>
+        </p:spPr>
+        <p:style>
+          <a:lnRef idx="2">
+            <a:schemeClr val="accent1">
+              <a:shade val="50000"/>
+            </a:schemeClr>
+          </a:lnRef>
+          <a:fillRef idx="1">
+            <a:schemeClr val="accent1"/>
+          </a:fillRef>
+          <a:effectRef idx="0">
+            <a:schemeClr val="accent1"/>
+          </a:effectRef>
+          <a:fontRef idx="minor">
+            <a:schemeClr val="lt1"/>
+          </a:fontRef>
+        </p:style>
+        <p:txBody>
+          <a:bodyPr rtlCol="0" anchor="ctr"/>
+          <a:lstStyle/>
+          <a:p>
+            <a:pPr algn="ctr"/>
+            <a:endParaRPr lang="en-US"/>
+          </a:p>
+        </p:txBody>
+      </p:sp>
+      <p:sp>
+        <p:nvSpPr>
+          <p:cNvPr id="18" name="תרשים זרימה: מחבר 17"/>
+          <p:cNvSpPr/>
+          <p:nvPr/>
+        </p:nvSpPr>
+        <p:spPr>
+          <a:xfrm>
+            <a:off x="3733800" y="5420360"/>
+            <a:ext cx="76200" cy="76200"/>
+          </a:xfrm>
+          <a:prstGeom prst="flowChartConnector">
+            <a:avLst/>
+          </a:prstGeom>
+        </p:spPr>
+        <p:style>
+          <a:lnRef idx="2">
+            <a:schemeClr val="accent1">
+              <a:shade val="50000"/>
+            </a:schemeClr>
+          </a:lnRef>
+          <a:fillRef idx="1">
+            <a:schemeClr val="accent1"/>
+          </a:fillRef>
+          <a:effectRef idx="0">
+            <a:schemeClr val="accent1"/>
+          </a:effectRef>
+          <a:fontRef idx="minor">
+            <a:schemeClr val="lt1"/>
+          </a:fontRef>
+        </p:style>
+        <p:txBody>
+          <a:bodyPr rtlCol="0" anchor="ctr"/>
+          <a:lstStyle/>
+          <a:p>
+            <a:pPr algn="ctr"/>
+            <a:endParaRPr lang="en-US"/>
+          </a:p>
+        </p:txBody>
+      </p:sp>
+      <p:sp>
+        <p:nvSpPr>
+          <p:cNvPr id="19" name="תרשים זרימה: מחבר 18"/>
+          <p:cNvSpPr/>
+          <p:nvPr/>
+        </p:nvSpPr>
+        <p:spPr>
+          <a:xfrm>
+            <a:off x="3276600" y="4419600"/>
+            <a:ext cx="76200" cy="76200"/>
+          </a:xfrm>
+          <a:prstGeom prst="flowChartConnector">
+            <a:avLst/>
+          </a:prstGeom>
+        </p:spPr>
+        <p:style>
+          <a:lnRef idx="2">
+            <a:schemeClr val="accent1">
+              <a:shade val="50000"/>
+            </a:schemeClr>
+          </a:lnRef>
+          <a:fillRef idx="1">
+            <a:schemeClr val="accent1"/>
+          </a:fillRef>
+          <a:effectRef idx="0">
+            <a:schemeClr val="accent1"/>
+          </a:effectRef>
+          <a:fontRef idx="minor">
+            <a:schemeClr val="lt1"/>
+          </a:fontRef>
+        </p:style>
+        <p:txBody>
+          <a:bodyPr rtlCol="0" anchor="ctr"/>
+          <a:lstStyle/>
+          <a:p>
+            <a:pPr algn="ctr"/>
+            <a:endParaRPr lang="en-US"/>
+          </a:p>
+        </p:txBody>
+      </p:sp>
+      <p:sp>
+        <p:nvSpPr>
+          <p:cNvPr id="20" name="תרשים זרימה: מחבר 19"/>
+          <p:cNvSpPr/>
+          <p:nvPr/>
+        </p:nvSpPr>
+        <p:spPr>
+          <a:xfrm>
+            <a:off x="4419600" y="4648200"/>
+            <a:ext cx="76200" cy="76200"/>
+          </a:xfrm>
+          <a:prstGeom prst="flowChartConnector">
+            <a:avLst/>
+          </a:prstGeom>
+        </p:spPr>
+        <p:style>
+          <a:lnRef idx="2">
+            <a:schemeClr val="accent1">
+              <a:shade val="50000"/>
+            </a:schemeClr>
+          </a:lnRef>
+          <a:fillRef idx="1">
+            <a:schemeClr val="accent1"/>
+          </a:fillRef>
+          <a:effectRef idx="0">
+            <a:schemeClr val="accent1"/>
+          </a:effectRef>
+          <a:fontRef idx="minor">
+            <a:schemeClr val="lt1"/>
+          </a:fontRef>
+        </p:style>
+        <p:txBody>
+          <a:bodyPr rtlCol="0" anchor="ctr"/>
+          <a:lstStyle/>
+          <a:p>
+            <a:pPr algn="ctr"/>
+            <a:endParaRPr lang="en-US"/>
+          </a:p>
+        </p:txBody>
+      </p:sp>
+      <p:sp>
+        <p:nvSpPr>
+          <p:cNvPr id="21" name="תרשים זרימה: מחבר 20"/>
+          <p:cNvSpPr/>
+          <p:nvPr/>
+        </p:nvSpPr>
+        <p:spPr>
+          <a:xfrm>
+            <a:off x="3962400" y="2057400"/>
+            <a:ext cx="76200" cy="76200"/>
+          </a:xfrm>
+          <a:prstGeom prst="flowChartConnector">
+            <a:avLst/>
+          </a:prstGeom>
+        </p:spPr>
+        <p:style>
+          <a:lnRef idx="2">
+            <a:schemeClr val="accent1">
+              <a:shade val="50000"/>
+            </a:schemeClr>
+          </a:lnRef>
+          <a:fillRef idx="1">
+            <a:schemeClr val="accent1"/>
+          </a:fillRef>
+          <a:effectRef idx="0">
+            <a:schemeClr val="accent1"/>
+          </a:effectRef>
+          <a:fontRef idx="minor">
+            <a:schemeClr val="lt1"/>
+          </a:fontRef>
+        </p:style>
+        <p:txBody>
+          <a:bodyPr rtlCol="0" anchor="ctr"/>
+          <a:lstStyle/>
+          <a:p>
+            <a:pPr algn="ctr"/>
+            <a:endParaRPr lang="en-US"/>
+          </a:p>
+        </p:txBody>
+      </p:sp>
+      <p:sp>
+        <p:nvSpPr>
+          <p:cNvPr id="22" name="תרשים זרימה: מחבר 21"/>
+          <p:cNvSpPr/>
+          <p:nvPr/>
+        </p:nvSpPr>
+        <p:spPr>
+          <a:xfrm>
+            <a:off x="5181600" y="4572000"/>
+            <a:ext cx="76200" cy="76200"/>
+          </a:xfrm>
+          <a:prstGeom prst="flowChartConnector">
+            <a:avLst/>
+          </a:prstGeom>
+        </p:spPr>
+        <p:style>
+          <a:lnRef idx="2">
+            <a:schemeClr val="accent1">
+              <a:shade val="50000"/>
+            </a:schemeClr>
+          </a:lnRef>
+          <a:fillRef idx="1">
+            <a:schemeClr val="accent1"/>
+          </a:fillRef>
+          <a:effectRef idx="0">
+            <a:schemeClr val="accent1"/>
+          </a:effectRef>
+          <a:fontRef idx="minor">
+            <a:schemeClr val="lt1"/>
+          </a:fontRef>
+        </p:style>
+        <p:txBody>
+          <a:bodyPr rtlCol="0" anchor="ctr"/>
+          <a:lstStyle/>
+          <a:p>
+            <a:pPr algn="ctr"/>
+            <a:endParaRPr lang="en-US"/>
+          </a:p>
+        </p:txBody>
+      </p:sp>
+      <p:sp>
+        <p:nvSpPr>
+          <p:cNvPr id="23" name="תרשים זרימה: מחבר 22"/>
+          <p:cNvSpPr/>
+          <p:nvPr/>
+        </p:nvSpPr>
+        <p:spPr>
+          <a:xfrm>
+            <a:off x="5029200" y="3733800"/>
+            <a:ext cx="76200" cy="76200"/>
+          </a:xfrm>
+          <a:prstGeom prst="flowChartConnector">
+            <a:avLst/>
+          </a:prstGeom>
+        </p:spPr>
+        <p:style>
+          <a:lnRef idx="2">
+            <a:schemeClr val="accent1">
+              <a:shade val="50000"/>
+            </a:schemeClr>
+          </a:lnRef>
+          <a:fillRef idx="1">
+            <a:schemeClr val="accent1"/>
+          </a:fillRef>
+          <a:effectRef idx="0">
+            <a:schemeClr val="accent1"/>
+          </a:effectRef>
+          <a:fontRef idx="minor">
+            <a:schemeClr val="lt1"/>
+          </a:fontRef>
+        </p:style>
+        <p:txBody>
+          <a:bodyPr rtlCol="0" anchor="ctr"/>
+          <a:lstStyle/>
+          <a:p>
+            <a:pPr algn="ctr"/>
+            <a:endParaRPr lang="en-US"/>
+          </a:p>
+        </p:txBody>
+      </p:sp>
+      <p:sp>
+        <p:nvSpPr>
+          <p:cNvPr id="24" name="תרשים זרימה: מחבר 23"/>
+          <p:cNvSpPr/>
+          <p:nvPr/>
+        </p:nvSpPr>
+        <p:spPr>
+          <a:xfrm>
+            <a:off x="1600200" y="4038600"/>
+            <a:ext cx="76200" cy="76200"/>
+          </a:xfrm>
+          <a:prstGeom prst="flowChartConnector">
+            <a:avLst/>
+          </a:prstGeom>
+        </p:spPr>
+        <p:style>
+          <a:lnRef idx="2">
+            <a:schemeClr val="accent1">
+              <a:shade val="50000"/>
+            </a:schemeClr>
+          </a:lnRef>
+          <a:fillRef idx="1">
+            <a:schemeClr val="accent1"/>
+          </a:fillRef>
+          <a:effectRef idx="0">
+            <a:schemeClr val="accent1"/>
+          </a:effectRef>
+          <a:fontRef idx="minor">
+            <a:schemeClr val="lt1"/>
+          </a:fontRef>
+        </p:style>
+        <p:txBody>
+          <a:bodyPr rtlCol="0" anchor="ctr"/>
+          <a:lstStyle/>
+          <a:p>
+            <a:pPr algn="ctr"/>
+            <a:endParaRPr lang="en-US"/>
+          </a:p>
+        </p:txBody>
+      </p:sp>
+      <p:sp>
+        <p:nvSpPr>
+          <p:cNvPr id="25" name="תרשים זרימה: מחבר 24"/>
+          <p:cNvSpPr/>
+          <p:nvPr/>
+        </p:nvSpPr>
+        <p:spPr>
+          <a:xfrm>
+            <a:off x="1143000" y="6477000"/>
+            <a:ext cx="76200" cy="76200"/>
+          </a:xfrm>
+          <a:prstGeom prst="flowChartConnector">
+            <a:avLst/>
+          </a:prstGeom>
+        </p:spPr>
+        <p:style>
+          <a:lnRef idx="2">
+            <a:schemeClr val="accent1">
+              <a:shade val="50000"/>
+            </a:schemeClr>
+          </a:lnRef>
+          <a:fillRef idx="1">
+            <a:schemeClr val="accent1"/>
+          </a:fillRef>
+          <a:effectRef idx="0">
+            <a:schemeClr val="accent1"/>
+          </a:effectRef>
+          <a:fontRef idx="minor">
+            <a:schemeClr val="lt1"/>
+          </a:fontRef>
+        </p:style>
+        <p:txBody>
+          <a:bodyPr rtlCol="0" anchor="ctr"/>
+          <a:lstStyle/>
+          <a:p>
+            <a:pPr algn="ctr"/>
+            <a:endParaRPr lang="en-US"/>
+          </a:p>
+        </p:txBody>
+      </p:sp>
+      <p:sp>
+        <p:nvSpPr>
+          <p:cNvPr id="26" name="TextBox 25"/>
+          <p:cNvSpPr txBox="1"/>
+          <p:nvPr/>
+        </p:nvSpPr>
+        <p:spPr>
+          <a:xfrm>
+            <a:off x="1310640" y="6324600"/>
+            <a:ext cx="2727960" cy="369332"/>
+          </a:xfrm>
+          <a:prstGeom prst="rect">
+            <a:avLst/>
+          </a:prstGeom>
+          <a:noFill/>
+        </p:spPr>
+        <p:txBody>
+          <a:bodyPr wrap="square" rtlCol="0">
+            <a:spAutoFit/>
+          </a:bodyPr>
+          <a:lstStyle/>
+          <a:p>
+            <a:r>
+              <a:rPr lang="en-US" dirty="0"/>
+              <a:t>our sample</a:t>
+            </a:r>
+          </a:p>
+        </p:txBody>
+      </p:sp>
+    </p:spTree>
+    <p:extLst>
+      <p:ext uri="{BB962C8B-B14F-4D97-AF65-F5344CB8AC3E}">
+        <p14:creationId xmlns:p14="http://schemas.microsoft.com/office/powerpoint/2010/main" val="558192156"/>
+      </p:ext>
+    </p:extLst>
+  </p:cSld>
+  <p:clrMapOvr>
+    <a:masterClrMapping/>
+  </p:clrMapOvr>
+</p:sld>
+</file>
+
+<file path=ppt/slides/slide4.xml><?xml version="1.0" encoding="utf-8"?>
+<p:sld xmlns:a="http://schemas.openxmlformats.org/drawingml/2006/main" xmlns:r="http://schemas.openxmlformats.org/officeDocument/2006/relationships" xmlns:p="http://schemas.openxmlformats.org/presentationml/2006/main">
+  <p:cSld>
+    <p:spTree>
+      <p:nvGrpSpPr>
+        <p:cNvPr id="1" name=""/>
+        <p:cNvGrpSpPr/>
+        <p:nvPr/>
+      </p:nvGrpSpPr>
+      <p:grpSpPr>
+        <a:xfrm>
+          <a:off x="0" y="0"/>
+          <a:ext cx="0" cy="0"/>
+          <a:chOff x="0" y="0"/>
+          <a:chExt cx="0" cy="0"/>
+        </a:xfrm>
+      </p:grpSpPr>
+      <p:sp>
+        <p:nvSpPr>
+          <p:cNvPr id="2" name="Title 1">
+            <a:extLst>
+              <a:ext uri="{FF2B5EF4-FFF2-40B4-BE49-F238E27FC236}">
+                <a16:creationId xmlns:a16="http://schemas.microsoft.com/office/drawing/2014/main" id="{FB8E441B-74C1-49CC-89C1-44FC888076DC}"/>
+              </a:ext>
+            </a:extLst>
+          </p:cNvPr>
+          <p:cNvSpPr>
+            <a:spLocks noGrp="1"/>
+          </p:cNvSpPr>
+          <p:nvPr>
+            <p:ph type="title"/>
+          </p:nvPr>
+        </p:nvSpPr>
+        <p:spPr>
+          <a:xfrm>
+            <a:off x="457200" y="254318"/>
+            <a:ext cx="8229600" cy="1143000"/>
+          </a:xfrm>
+        </p:spPr>
+        <p:txBody>
+          <a:bodyPr/>
+          <a:lstStyle/>
+          <a:p>
+            <a:r>
+              <a:rPr lang="en-US" dirty="0"/>
+              <a:t>Data selection</a:t>
+            </a:r>
+            <a:endParaRPr lang="he-IL" dirty="0"/>
+          </a:p>
+        </p:txBody>
+      </p:sp>
+      <p:sp>
+        <p:nvSpPr>
+          <p:cNvPr id="4" name="Speech Bubble: Rectangle with Corners Rounded 3">
+            <a:extLst>
+              <a:ext uri="{FF2B5EF4-FFF2-40B4-BE49-F238E27FC236}">
+                <a16:creationId xmlns:a16="http://schemas.microsoft.com/office/drawing/2014/main" id="{C21557D9-C0F0-477D-882C-EAF3ABC98F3E}"/>
+              </a:ext>
+            </a:extLst>
+          </p:cNvPr>
+          <p:cNvSpPr/>
+          <p:nvPr/>
+        </p:nvSpPr>
+        <p:spPr>
+          <a:xfrm>
+            <a:off x="2133600" y="1447800"/>
+            <a:ext cx="838200" cy="457200"/>
+          </a:xfrm>
+          <a:prstGeom prst="wedgeRoundRectCallout">
+            <a:avLst/>
+          </a:prstGeom>
+          <a:solidFill>
+            <a:srgbClr val="FDDBFB"/>
+          </a:solidFill>
+        </p:spPr>
+        <p:style>
+          <a:lnRef idx="2">
+            <a:schemeClr val="accent1">
+              <a:shade val="50000"/>
+            </a:schemeClr>
+          </a:lnRef>
+          <a:fillRef idx="1">
+            <a:schemeClr val="accent1"/>
+          </a:fillRef>
+          <a:effectRef idx="0">
+            <a:schemeClr val="accent1"/>
+          </a:effectRef>
+          <a:fontRef idx="minor">
+            <a:schemeClr val="lt1"/>
+          </a:fontRef>
+        </p:style>
+        <p:txBody>
+          <a:bodyPr rtlCol="1" anchor="ctr"/>
+          <a:lstStyle/>
+          <a:p>
+            <a:pPr algn="ctr"/>
+            <a:endParaRPr lang="he-IL" dirty="0"/>
+          </a:p>
+        </p:txBody>
+      </p:sp>
+      <p:sp>
+        <p:nvSpPr>
+          <p:cNvPr id="5" name="Speech Bubble: Rectangle with Corners Rounded 4">
+            <a:extLst>
+              <a:ext uri="{FF2B5EF4-FFF2-40B4-BE49-F238E27FC236}">
+                <a16:creationId xmlns:a16="http://schemas.microsoft.com/office/drawing/2014/main" id="{CD7C211E-DB58-4D2F-A0A5-5B7DD0FB95F1}"/>
+              </a:ext>
+            </a:extLst>
+          </p:cNvPr>
+          <p:cNvSpPr/>
+          <p:nvPr/>
+        </p:nvSpPr>
+        <p:spPr>
+          <a:xfrm>
+            <a:off x="2286000" y="1600200"/>
+            <a:ext cx="838200" cy="457200"/>
+          </a:xfrm>
+          <a:prstGeom prst="wedgeRoundRectCallout">
+            <a:avLst/>
+          </a:prstGeom>
+          <a:solidFill>
+            <a:srgbClr val="FDDBFB"/>
+          </a:solidFill>
+        </p:spPr>
+        <p:style>
+          <a:lnRef idx="2">
+            <a:schemeClr val="accent1">
+              <a:shade val="50000"/>
+            </a:schemeClr>
+          </a:lnRef>
+          <a:fillRef idx="1">
+            <a:schemeClr val="accent1"/>
+          </a:fillRef>
+          <a:effectRef idx="0">
+            <a:schemeClr val="accent1"/>
+          </a:effectRef>
+          <a:fontRef idx="minor">
+            <a:schemeClr val="lt1"/>
+          </a:fontRef>
+        </p:style>
+        <p:txBody>
+          <a:bodyPr rtlCol="1" anchor="ctr"/>
+          <a:lstStyle/>
+          <a:p>
+            <a:pPr algn="ctr"/>
+            <a:endParaRPr lang="he-IL" dirty="0"/>
+          </a:p>
+        </p:txBody>
+      </p:sp>
+      <p:sp>
+        <p:nvSpPr>
+          <p:cNvPr id="6" name="Speech Bubble: Rectangle with Corners Rounded 5">
+            <a:extLst>
+              <a:ext uri="{FF2B5EF4-FFF2-40B4-BE49-F238E27FC236}">
+                <a16:creationId xmlns:a16="http://schemas.microsoft.com/office/drawing/2014/main" id="{9187667C-D954-4697-AE2F-DF588422260E}"/>
+              </a:ext>
+            </a:extLst>
+          </p:cNvPr>
+          <p:cNvSpPr/>
+          <p:nvPr/>
+        </p:nvSpPr>
+        <p:spPr>
+          <a:xfrm>
+            <a:off x="2438400" y="1752600"/>
+            <a:ext cx="838200" cy="457200"/>
+          </a:xfrm>
+          <a:prstGeom prst="wedgeRoundRectCallout">
+            <a:avLst/>
+          </a:prstGeom>
+          <a:solidFill>
+            <a:srgbClr val="FDDBFB"/>
+          </a:solidFill>
+        </p:spPr>
+        <p:style>
+          <a:lnRef idx="2">
+            <a:schemeClr val="accent1">
+              <a:shade val="50000"/>
+            </a:schemeClr>
+          </a:lnRef>
+          <a:fillRef idx="1">
+            <a:schemeClr val="accent1"/>
+          </a:fillRef>
+          <a:effectRef idx="0">
+            <a:schemeClr val="accent1"/>
+          </a:effectRef>
+          <a:fontRef idx="minor">
+            <a:schemeClr val="lt1"/>
+          </a:fontRef>
+        </p:style>
+        <p:txBody>
+          <a:bodyPr rtlCol="1" anchor="ctr"/>
+          <a:lstStyle/>
+          <a:p>
+            <a:pPr algn="ctr"/>
+            <a:endParaRPr lang="he-IL" dirty="0"/>
+          </a:p>
+        </p:txBody>
+      </p:sp>
+      <p:sp>
+        <p:nvSpPr>
+          <p:cNvPr id="7" name="Speech Bubble: Rectangle with Corners Rounded 6">
+            <a:extLst>
+              <a:ext uri="{FF2B5EF4-FFF2-40B4-BE49-F238E27FC236}">
+                <a16:creationId xmlns:a16="http://schemas.microsoft.com/office/drawing/2014/main" id="{298A13A2-EDE3-43AA-8475-072988C89628}"/>
+              </a:ext>
+            </a:extLst>
+          </p:cNvPr>
+          <p:cNvSpPr/>
+          <p:nvPr/>
+        </p:nvSpPr>
+        <p:spPr>
+          <a:xfrm>
+            <a:off x="2590800" y="1905000"/>
+            <a:ext cx="838200" cy="457200"/>
+          </a:xfrm>
+          <a:prstGeom prst="wedgeRoundRectCallout">
+            <a:avLst/>
+          </a:prstGeom>
+          <a:solidFill>
+            <a:srgbClr val="FDDBFB"/>
+          </a:solidFill>
+        </p:spPr>
+        <p:style>
+          <a:lnRef idx="2">
+            <a:schemeClr val="accent1">
+              <a:shade val="50000"/>
+            </a:schemeClr>
+          </a:lnRef>
+          <a:fillRef idx="1">
+            <a:schemeClr val="accent1"/>
+          </a:fillRef>
+          <a:effectRef idx="0">
+            <a:schemeClr val="accent1"/>
+          </a:effectRef>
+          <a:fontRef idx="minor">
+            <a:schemeClr val="lt1"/>
+          </a:fontRef>
+        </p:style>
+        <p:txBody>
+          <a:bodyPr rtlCol="1" anchor="ctr"/>
+          <a:lstStyle/>
+          <a:p>
+            <a:pPr algn="ctr"/>
+            <a:r>
+              <a:rPr lang="en-US" dirty="0">
+                <a:solidFill>
+                  <a:schemeClr val="tx1"/>
+                </a:solidFill>
+              </a:rPr>
+              <a:t>Art</a:t>
+            </a:r>
+            <a:endParaRPr lang="he-IL" dirty="0">
+              <a:solidFill>
+                <a:schemeClr val="tx1"/>
+              </a:solidFill>
+            </a:endParaRPr>
+          </a:p>
+        </p:txBody>
+      </p:sp>
+      <p:sp>
+        <p:nvSpPr>
+          <p:cNvPr id="8" name="Arrow: Right 7">
+            <a:extLst>
+              <a:ext uri="{FF2B5EF4-FFF2-40B4-BE49-F238E27FC236}">
+                <a16:creationId xmlns:a16="http://schemas.microsoft.com/office/drawing/2014/main" id="{A2FE7B94-17EF-4E3B-8111-991B6E133167}"/>
+              </a:ext>
+            </a:extLst>
+          </p:cNvPr>
+          <p:cNvSpPr/>
+          <p:nvPr/>
+        </p:nvSpPr>
+        <p:spPr>
+          <a:xfrm>
+            <a:off x="3962400" y="1591947"/>
+            <a:ext cx="762000" cy="694053"/>
+          </a:xfrm>
+          <a:prstGeom prst="rightArrow">
+            <a:avLst/>
+          </a:prstGeom>
+          <a:solidFill>
+            <a:schemeClr val="accent3">
+              <a:lumMod val="60000"/>
+              <a:lumOff val="40000"/>
+            </a:schemeClr>
+          </a:solidFill>
+        </p:spPr>
+        <p:style>
+          <a:lnRef idx="2">
+            <a:schemeClr val="accent1">
+              <a:shade val="50000"/>
+            </a:schemeClr>
+          </a:lnRef>
+          <a:fillRef idx="1">
+            <a:schemeClr val="accent1"/>
+          </a:fillRef>
+          <a:effectRef idx="0">
+            <a:schemeClr val="accent1"/>
+          </a:effectRef>
+          <a:fontRef idx="minor">
+            <a:schemeClr val="lt1"/>
+          </a:fontRef>
+        </p:style>
+        <p:txBody>
+          <a:bodyPr rtlCol="1" anchor="ctr"/>
+          <a:lstStyle/>
+          <a:p>
+            <a:pPr algn="ctr"/>
+            <a:endParaRPr lang="he-IL"/>
+          </a:p>
+        </p:txBody>
+      </p:sp>
+      <p:pic>
+        <p:nvPicPr>
+          <p:cNvPr id="10" name="Graphic 9" descr="Users with solid fill">
+            <a:extLst>
+              <a:ext uri="{FF2B5EF4-FFF2-40B4-BE49-F238E27FC236}">
+                <a16:creationId xmlns:a16="http://schemas.microsoft.com/office/drawing/2014/main" id="{C6B28F87-817D-46FB-B858-BD4F0F9CA7F5}"/>
+              </a:ext>
+            </a:extLst>
+          </p:cNvPr>
+          <p:cNvPicPr>
+            <a:picLocks noChangeAspect="1"/>
+          </p:cNvPicPr>
+          <p:nvPr/>
+        </p:nvPicPr>
+        <p:blipFill>
+          <a:blip r:embed="rId2">
+            <a:extLst>
+              <a:ext uri="{28A0092B-C50C-407E-A947-70E740481C1C}">
+                <a14:useLocalDpi xmlns:a14="http://schemas.microsoft.com/office/drawing/2010/main" val="0"/>
+              </a:ext>
+              <a:ext uri="{96DAC541-7B7A-43D3-8B79-37D633B846F1}">
+                <asvg:svgBlip xmlns:asvg="http://schemas.microsoft.com/office/drawing/2016/SVG/main" r:embed="rId3"/>
+              </a:ext>
+            </a:extLst>
+          </a:blip>
+          <a:stretch>
+            <a:fillRect/>
+          </a:stretch>
+        </p:blipFill>
+        <p:spPr>
+          <a:xfrm>
+            <a:off x="5219700" y="1600200"/>
+            <a:ext cx="878840" cy="878840"/>
+          </a:xfrm>
+          <a:prstGeom prst="rect">
+            <a:avLst/>
+          </a:prstGeom>
+        </p:spPr>
+      </p:pic>
+      <p:sp>
+        <p:nvSpPr>
+          <p:cNvPr id="11" name="TextBox 10">
+            <a:extLst>
+              <a:ext uri="{FF2B5EF4-FFF2-40B4-BE49-F238E27FC236}">
+                <a16:creationId xmlns:a16="http://schemas.microsoft.com/office/drawing/2014/main" id="{18B31D88-D77E-49F1-B03D-1FD9EB89D4DE}"/>
+              </a:ext>
+            </a:extLst>
+          </p:cNvPr>
+          <p:cNvSpPr txBox="1"/>
+          <p:nvPr/>
+        </p:nvSpPr>
+        <p:spPr>
+          <a:xfrm>
+            <a:off x="5219700" y="2303356"/>
+            <a:ext cx="952500" cy="366183"/>
+          </a:xfrm>
+          <a:prstGeom prst="rect">
+            <a:avLst/>
+          </a:prstGeom>
+          <a:noFill/>
+        </p:spPr>
+        <p:txBody>
+          <a:bodyPr wrap="square" rtlCol="1">
+            <a:spAutoFit/>
+          </a:bodyPr>
+          <a:lstStyle/>
+          <a:p>
+            <a:r>
+              <a:rPr lang="en-US" dirty="0"/>
+              <a:t>unique</a:t>
+            </a:r>
+            <a:endParaRPr lang="he-IL" dirty="0"/>
+          </a:p>
+        </p:txBody>
+      </p:sp>
+      <p:sp>
+        <p:nvSpPr>
+          <p:cNvPr id="12" name="Arrow: Left-Up 11">
+            <a:extLst>
+              <a:ext uri="{FF2B5EF4-FFF2-40B4-BE49-F238E27FC236}">
+                <a16:creationId xmlns:a16="http://schemas.microsoft.com/office/drawing/2014/main" id="{2B5CBE82-B47A-4D4A-BE9A-229D33731581}"/>
+              </a:ext>
+            </a:extLst>
+          </p:cNvPr>
+          <p:cNvSpPr/>
+          <p:nvPr/>
+        </p:nvSpPr>
+        <p:spPr>
+          <a:xfrm rot="13377908">
+            <a:off x="5261140" y="2830542"/>
+            <a:ext cx="833967" cy="785229"/>
+          </a:xfrm>
+          <a:prstGeom prst="leftUpArrow">
+            <a:avLst/>
+          </a:prstGeom>
+          <a:solidFill>
+            <a:schemeClr val="accent3">
+              <a:lumMod val="40000"/>
+              <a:lumOff val="60000"/>
+            </a:schemeClr>
+          </a:solidFill>
+        </p:spPr>
+        <p:style>
+          <a:lnRef idx="2">
+            <a:schemeClr val="accent1">
+              <a:shade val="50000"/>
+            </a:schemeClr>
+          </a:lnRef>
+          <a:fillRef idx="1">
+            <a:schemeClr val="accent1"/>
+          </a:fillRef>
+          <a:effectRef idx="0">
+            <a:schemeClr val="accent1"/>
+          </a:effectRef>
+          <a:fontRef idx="minor">
+            <a:schemeClr val="lt1"/>
+          </a:fontRef>
+        </p:style>
+        <p:txBody>
+          <a:bodyPr rtlCol="1" anchor="ctr"/>
+          <a:lstStyle/>
+          <a:p>
+            <a:pPr algn="ctr"/>
+            <a:endParaRPr lang="he-IL"/>
+          </a:p>
+        </p:txBody>
+      </p:sp>
+      <p:sp>
+        <p:nvSpPr>
+          <p:cNvPr id="13" name="Speech Bubble: Rectangle with Corners Rounded 12">
+            <a:extLst>
+              <a:ext uri="{FF2B5EF4-FFF2-40B4-BE49-F238E27FC236}">
+                <a16:creationId xmlns:a16="http://schemas.microsoft.com/office/drawing/2014/main" id="{78AFB262-2518-4E1B-844B-59945817AD3E}"/>
+              </a:ext>
+            </a:extLst>
+          </p:cNvPr>
+          <p:cNvSpPr/>
+          <p:nvPr/>
+        </p:nvSpPr>
+        <p:spPr>
+          <a:xfrm>
+            <a:off x="6248400" y="3429000"/>
+            <a:ext cx="914400" cy="609600"/>
+          </a:xfrm>
+          <a:prstGeom prst="wedgeRoundRectCallout">
+            <a:avLst/>
+          </a:prstGeom>
+          <a:solidFill>
+            <a:schemeClr val="accent1">
+              <a:lumMod val="20000"/>
+              <a:lumOff val="80000"/>
+            </a:schemeClr>
+          </a:solidFill>
+        </p:spPr>
+        <p:style>
+          <a:lnRef idx="2">
+            <a:schemeClr val="accent1">
+              <a:shade val="50000"/>
+            </a:schemeClr>
+          </a:lnRef>
+          <a:fillRef idx="1">
+            <a:schemeClr val="accent1"/>
+          </a:fillRef>
+          <a:effectRef idx="0">
+            <a:schemeClr val="accent1"/>
+          </a:effectRef>
+          <a:fontRef idx="minor">
+            <a:schemeClr val="lt1"/>
+          </a:fontRef>
+        </p:style>
+        <p:txBody>
+          <a:bodyPr rtlCol="1" anchor="ctr"/>
+          <a:lstStyle/>
+          <a:p>
+            <a:pPr algn="ctr"/>
+            <a:endParaRPr lang="he-IL"/>
+          </a:p>
+        </p:txBody>
+      </p:sp>
+      <p:sp>
+        <p:nvSpPr>
+          <p:cNvPr id="14" name="Speech Bubble: Rectangle with Corners Rounded 13">
+            <a:extLst>
+              <a:ext uri="{FF2B5EF4-FFF2-40B4-BE49-F238E27FC236}">
+                <a16:creationId xmlns:a16="http://schemas.microsoft.com/office/drawing/2014/main" id="{84C693C6-CE96-4908-8A19-7E627576BAE6}"/>
+              </a:ext>
+            </a:extLst>
+          </p:cNvPr>
+          <p:cNvSpPr/>
+          <p:nvPr/>
+        </p:nvSpPr>
+        <p:spPr>
+          <a:xfrm>
+            <a:off x="6400800" y="3581400"/>
+            <a:ext cx="914400" cy="609600"/>
+          </a:xfrm>
+          <a:prstGeom prst="wedgeRoundRectCallout">
+            <a:avLst/>
+          </a:prstGeom>
+          <a:solidFill>
+            <a:schemeClr val="accent1">
+              <a:lumMod val="20000"/>
+              <a:lumOff val="80000"/>
+            </a:schemeClr>
+          </a:solidFill>
+        </p:spPr>
+        <p:style>
+          <a:lnRef idx="2">
+            <a:schemeClr val="accent1">
+              <a:shade val="50000"/>
+            </a:schemeClr>
+          </a:lnRef>
+          <a:fillRef idx="1">
+            <a:schemeClr val="accent1"/>
+          </a:fillRef>
+          <a:effectRef idx="0">
+            <a:schemeClr val="accent1"/>
+          </a:effectRef>
+          <a:fontRef idx="minor">
+            <a:schemeClr val="lt1"/>
+          </a:fontRef>
+        </p:style>
+        <p:txBody>
+          <a:bodyPr rtlCol="1" anchor="ctr"/>
+          <a:lstStyle/>
+          <a:p>
+            <a:pPr algn="ctr"/>
+            <a:r>
+              <a:rPr lang="en-US" dirty="0">
+                <a:solidFill>
+                  <a:schemeClr val="tx1"/>
+                </a:solidFill>
+              </a:rPr>
+              <a:t>Sport</a:t>
+            </a:r>
+            <a:endParaRPr lang="he-IL" dirty="0">
+              <a:solidFill>
+                <a:schemeClr val="tx1"/>
+              </a:solidFill>
+            </a:endParaRPr>
+          </a:p>
+        </p:txBody>
+      </p:sp>
+      <p:sp>
+        <p:nvSpPr>
+          <p:cNvPr id="16" name="Cube 15">
+            <a:extLst>
+              <a:ext uri="{FF2B5EF4-FFF2-40B4-BE49-F238E27FC236}">
+                <a16:creationId xmlns:a16="http://schemas.microsoft.com/office/drawing/2014/main" id="{3A6EACE9-4E51-4C36-86E6-2B46771A5337}"/>
+              </a:ext>
+            </a:extLst>
+          </p:cNvPr>
+          <p:cNvSpPr/>
+          <p:nvPr/>
+        </p:nvSpPr>
+        <p:spPr>
+          <a:xfrm rot="1603396">
+            <a:off x="4474979" y="3463512"/>
+            <a:ext cx="619443" cy="534864"/>
+          </a:xfrm>
+          <a:prstGeom prst="cube">
+            <a:avLst/>
+          </a:prstGeom>
+          <a:solidFill>
+            <a:srgbClr val="FDDBFB"/>
+          </a:solidFill>
+        </p:spPr>
+        <p:style>
+          <a:lnRef idx="2">
+            <a:schemeClr val="accent1">
+              <a:shade val="50000"/>
+            </a:schemeClr>
+          </a:lnRef>
+          <a:fillRef idx="1">
+            <a:schemeClr val="accent1"/>
+          </a:fillRef>
+          <a:effectRef idx="0">
+            <a:schemeClr val="accent1"/>
+          </a:effectRef>
+          <a:fontRef idx="minor">
+            <a:schemeClr val="lt1"/>
+          </a:fontRef>
+        </p:style>
+        <p:txBody>
+          <a:bodyPr rtlCol="1" anchor="ctr"/>
+          <a:lstStyle/>
+          <a:p>
+            <a:pPr algn="ctr"/>
+            <a:r>
+              <a:rPr lang="en-US" sz="4000" dirty="0">
+                <a:solidFill>
+                  <a:schemeClr val="tx1"/>
+                </a:solidFill>
+              </a:rPr>
+              <a:t>?</a:t>
+            </a:r>
+            <a:endParaRPr lang="he-IL" sz="4000" dirty="0">
+              <a:solidFill>
+                <a:schemeClr val="tx1"/>
+              </a:solidFill>
+            </a:endParaRPr>
+          </a:p>
+        </p:txBody>
+      </p:sp>
+      <p:graphicFrame>
+        <p:nvGraphicFramePr>
+          <p:cNvPr id="17" name="Table 17">
+            <a:extLst>
+              <a:ext uri="{FF2B5EF4-FFF2-40B4-BE49-F238E27FC236}">
+                <a16:creationId xmlns:a16="http://schemas.microsoft.com/office/drawing/2014/main" id="{E448BB34-45DD-4559-A701-7EFA982C2827}"/>
+              </a:ext>
+            </a:extLst>
+          </p:cNvPr>
+          <p:cNvGraphicFramePr>
+            <a:graphicFrameLocks noGrp="1"/>
+          </p:cNvGraphicFramePr>
+          <p:nvPr>
+            <p:extLst>
+              <p:ext uri="{D42A27DB-BD31-4B8C-83A1-F6EECF244321}">
+                <p14:modId xmlns:p14="http://schemas.microsoft.com/office/powerpoint/2010/main" val="757014302"/>
+              </p:ext>
+            </p:extLst>
+          </p:nvPr>
+        </p:nvGraphicFramePr>
+        <p:xfrm>
+          <a:off x="1524000" y="4619628"/>
+          <a:ext cx="6096000" cy="1112520"/>
+        </p:xfrm>
+        <a:graphic>
+          <a:graphicData uri="http://schemas.openxmlformats.org/drawingml/2006/table">
+            <a:tbl>
+              <a:tblPr rtl="1" firstRow="1" bandRow="1">
+                <a:tableStyleId>{5940675A-B579-460E-94D1-54222C63F5DA}</a:tableStyleId>
+              </a:tblPr>
+              <a:tblGrid>
+                <a:gridCol w="2032000">
+                  <a:extLst>
+                    <a:ext uri="{9D8B030D-6E8A-4147-A177-3AD203B41FA5}">
+                      <a16:colId xmlns:a16="http://schemas.microsoft.com/office/drawing/2014/main" val="479475873"/>
+                    </a:ext>
+                  </a:extLst>
+                </a:gridCol>
+                <a:gridCol w="2032000">
+                  <a:extLst>
+                    <a:ext uri="{9D8B030D-6E8A-4147-A177-3AD203B41FA5}">
+                      <a16:colId xmlns:a16="http://schemas.microsoft.com/office/drawing/2014/main" val="3023036560"/>
+                    </a:ext>
+                  </a:extLst>
+                </a:gridCol>
+                <a:gridCol w="2032000">
+                  <a:extLst>
+                    <a:ext uri="{9D8B030D-6E8A-4147-A177-3AD203B41FA5}">
+                      <a16:colId xmlns:a16="http://schemas.microsoft.com/office/drawing/2014/main" val="3487580737"/>
+                    </a:ext>
+                  </a:extLst>
+                </a:gridCol>
+              </a:tblGrid>
+              <a:tr h="370840">
+                <a:tc>
+                  <a:txBody>
+                    <a:bodyPr/>
+                    <a:lstStyle/>
+                    <a:p>
+                      <a:pPr algn="ctr" rtl="1"/>
+                      <a:r>
+                        <a:rPr lang="en-US" dirty="0"/>
+                        <a:t>Total post count</a:t>
+                      </a:r>
+                      <a:endParaRPr lang="he-IL" dirty="0"/>
+                    </a:p>
+                  </a:txBody>
+                  <a:tcPr/>
+                </a:tc>
+                <a:tc>
+                  <a:txBody>
+                    <a:bodyPr/>
+                    <a:lstStyle/>
+                    <a:p>
+                      <a:pPr algn="ctr" rtl="1"/>
+                      <a:r>
+                        <a:rPr lang="en-US" dirty="0"/>
+                        <a:t>Unique</a:t>
+                      </a:r>
+                      <a:endParaRPr lang="he-IL" dirty="0"/>
+                    </a:p>
+                  </a:txBody>
+                  <a:tcPr/>
+                </a:tc>
+                <a:tc>
+                  <a:txBody>
+                    <a:bodyPr/>
+                    <a:lstStyle/>
+                    <a:p>
+                      <a:pPr algn="ctr" rtl="1"/>
+                      <a:endParaRPr lang="he-IL" dirty="0"/>
+                    </a:p>
+                  </a:txBody>
+                  <a:tcPr/>
+                </a:tc>
+                <a:extLst>
+                  <a:ext uri="{0D108BD9-81ED-4DB2-BD59-A6C34878D82A}">
+                    <a16:rowId xmlns:a16="http://schemas.microsoft.com/office/drawing/2014/main" val="3613918494"/>
+                  </a:ext>
+                </a:extLst>
+              </a:tr>
+              <a:tr h="370840">
+                <a:tc>
+                  <a:txBody>
+                    <a:bodyPr/>
+                    <a:lstStyle/>
+                    <a:p>
+                      <a:pPr algn="ctr" rtl="1"/>
+                      <a:r>
+                        <a:rPr lang="en-US" dirty="0"/>
+                        <a:t>3,955</a:t>
+                      </a:r>
+                      <a:endParaRPr lang="he-IL" dirty="0"/>
+                    </a:p>
+                  </a:txBody>
+                  <a:tcPr>
+                    <a:solidFill>
+                      <a:srgbClr val="FDDBFB"/>
+                    </a:solidFill>
+                  </a:tcPr>
+                </a:tc>
+                <a:tc>
+                  <a:txBody>
+                    <a:bodyPr/>
+                    <a:lstStyle/>
+                    <a:p>
+                      <a:pPr algn="ctr" rtl="1"/>
+                      <a:r>
+                        <a:rPr lang="en-US" dirty="0"/>
+                        <a:t>2,891</a:t>
+                      </a:r>
+                      <a:endParaRPr lang="he-IL" dirty="0"/>
+                    </a:p>
+                  </a:txBody>
+                  <a:tcPr>
+                    <a:solidFill>
+                      <a:srgbClr val="FDDBFB"/>
+                    </a:solidFill>
+                  </a:tcPr>
+                </a:tc>
+                <a:tc>
+                  <a:txBody>
+                    <a:bodyPr/>
+                    <a:lstStyle/>
+                    <a:p>
+                      <a:pPr algn="ctr" rtl="1"/>
+                      <a:r>
+                        <a:rPr lang="en-US" dirty="0"/>
+                        <a:t>Art only</a:t>
+                      </a:r>
+                      <a:endParaRPr lang="he-IL" dirty="0"/>
+                    </a:p>
+                  </a:txBody>
+                  <a:tcPr>
+                    <a:solidFill>
+                      <a:srgbClr val="FDDBFB"/>
+                    </a:solidFill>
+                  </a:tcPr>
+                </a:tc>
+                <a:extLst>
+                  <a:ext uri="{0D108BD9-81ED-4DB2-BD59-A6C34878D82A}">
+                    <a16:rowId xmlns:a16="http://schemas.microsoft.com/office/drawing/2014/main" val="536416716"/>
+                  </a:ext>
+                </a:extLst>
+              </a:tr>
+              <a:tr h="370840">
+                <a:tc>
+                  <a:txBody>
+                    <a:bodyPr/>
+                    <a:lstStyle/>
+                    <a:p>
+                      <a:pPr algn="ctr" rtl="1"/>
+                      <a:r>
+                        <a:rPr lang="en-US" dirty="0"/>
+                        <a:t>464 (10%)</a:t>
+                      </a:r>
+                      <a:endParaRPr lang="he-IL" dirty="0"/>
+                    </a:p>
+                  </a:txBody>
+                  <a:tcPr>
+                    <a:solidFill>
+                      <a:schemeClr val="accent4">
+                        <a:lumMod val="60000"/>
+                        <a:lumOff val="40000"/>
+                      </a:schemeClr>
+                    </a:solidFill>
+                  </a:tcPr>
+                </a:tc>
+                <a:tc>
+                  <a:txBody>
+                    <a:bodyPr/>
+                    <a:lstStyle/>
+                    <a:p>
+                      <a:pPr algn="ctr" rtl="1"/>
+                      <a:r>
+                        <a:rPr lang="en-US" dirty="0"/>
+                        <a:t>55 (&lt;2%)</a:t>
+                      </a:r>
+                      <a:endParaRPr lang="he-IL" dirty="0"/>
+                    </a:p>
+                  </a:txBody>
+                  <a:tcPr>
+                    <a:solidFill>
+                      <a:schemeClr val="accent4">
+                        <a:lumMod val="60000"/>
+                        <a:lumOff val="40000"/>
+                      </a:schemeClr>
+                    </a:solidFill>
+                  </a:tcPr>
+                </a:tc>
+                <a:tc>
+                  <a:txBody>
+                    <a:bodyPr/>
+                    <a:lstStyle/>
+                    <a:p>
+                      <a:pPr algn="ctr" rtl="1"/>
+                      <a:r>
+                        <a:rPr lang="en-US" dirty="0"/>
+                        <a:t>Both art and sport</a:t>
+                      </a:r>
+                      <a:endParaRPr lang="he-IL" dirty="0"/>
+                    </a:p>
+                  </a:txBody>
+                  <a:tcPr>
+                    <a:solidFill>
+                      <a:schemeClr val="accent4">
+                        <a:lumMod val="60000"/>
+                        <a:lumOff val="40000"/>
+                      </a:schemeClr>
+                    </a:solidFill>
+                  </a:tcPr>
+                </a:tc>
+                <a:extLst>
+                  <a:ext uri="{0D108BD9-81ED-4DB2-BD59-A6C34878D82A}">
+                    <a16:rowId xmlns:a16="http://schemas.microsoft.com/office/drawing/2014/main" val="2179455914"/>
+                  </a:ext>
+                </a:extLst>
+              </a:tr>
+            </a:tbl>
+          </a:graphicData>
+        </a:graphic>
+      </p:graphicFrame>
+    </p:spTree>
+    <p:extLst>
+      <p:ext uri="{BB962C8B-B14F-4D97-AF65-F5344CB8AC3E}">
+        <p14:creationId xmlns:p14="http://schemas.microsoft.com/office/powerpoint/2010/main" val="3445745095"/>
+      </p:ext>
+    </p:extLst>
+  </p:cSld>
+  <p:clrMapOvr>
+    <a:masterClrMapping/>
+  </p:clrMapOvr>
+</p:sld>
+</file>
+
+<file path=ppt/slides/slide5.xml><?xml version="1.0" encoding="utf-8"?>
+<p:sld xmlns:a="http://schemas.openxmlformats.org/drawingml/2006/main" xmlns:r="http://schemas.openxmlformats.org/officeDocument/2006/relationships" xmlns:p="http://schemas.openxmlformats.org/presentationml/2006/main">
+  <p:cSld>
+    <p:spTree>
+      <p:nvGrpSpPr>
+        <p:cNvPr id="1" name=""/>
+        <p:cNvGrpSpPr/>
+        <p:nvPr/>
+      </p:nvGrpSpPr>
+      <p:grpSpPr>
+        <a:xfrm>
+          <a:off x="0" y="0"/>
+          <a:ext cx="0" cy="0"/>
+          <a:chOff x="0" y="0"/>
+          <a:chExt cx="0" cy="0"/>
+        </a:xfrm>
+      </p:grpSpPr>
+      <p:sp>
+        <p:nvSpPr>
+          <p:cNvPr id="2" name="Title 1">
+            <a:extLst>
+              <a:ext uri="{FF2B5EF4-FFF2-40B4-BE49-F238E27FC236}">
+                <a16:creationId xmlns:a16="http://schemas.microsoft.com/office/drawing/2014/main" id="{9B4BDE73-AB4A-D7CF-E047-3BD75220580B}"/>
+              </a:ext>
+            </a:extLst>
+          </p:cNvPr>
+          <p:cNvSpPr>
+            <a:spLocks noGrp="1"/>
+          </p:cNvSpPr>
+          <p:nvPr>
+            <p:ph type="title"/>
+          </p:nvPr>
+        </p:nvSpPr>
+        <p:spPr/>
+        <p:txBody>
+          <a:bodyPr/>
+          <a:lstStyle/>
+          <a:p>
+            <a:r>
+              <a:rPr lang="en-US" dirty="0"/>
+              <a:t>Examples From The Dataset</a:t>
+            </a:r>
+          </a:p>
+        </p:txBody>
+      </p:sp>
+      <p:sp>
+        <p:nvSpPr>
+          <p:cNvPr id="3" name="Content Placeholder 2">
+            <a:extLst>
+              <a:ext uri="{FF2B5EF4-FFF2-40B4-BE49-F238E27FC236}">
+                <a16:creationId xmlns:a16="http://schemas.microsoft.com/office/drawing/2014/main" id="{26C72FA7-BFD7-6489-FAC2-3AD5569F6A37}"/>
+              </a:ext>
+            </a:extLst>
+          </p:cNvPr>
+          <p:cNvSpPr>
+            <a:spLocks noGrp="1"/>
+          </p:cNvSpPr>
+          <p:nvPr>
+            <p:ph idx="1"/>
+          </p:nvPr>
+        </p:nvSpPr>
+        <p:spPr/>
+        <p:txBody>
+          <a:bodyPr>
+            <a:normAutofit fontScale="92500" lnSpcReduction="20000"/>
+          </a:bodyPr>
+          <a:lstStyle/>
+          <a:p>
+            <a:pPr marL="0" indent="0">
+              <a:buNone/>
+            </a:pPr>
+            <a:r>
+              <a:rPr lang="en-US" sz="1400" b="1" i="0" dirty="0">
+                <a:effectLst/>
+              </a:rPr>
+              <a:t>User who wrote in art and sport forums:</a:t>
+            </a:r>
+          </a:p>
+          <a:p>
+            <a:pPr marL="0" indent="0">
+              <a:buNone/>
+            </a:pPr>
+            <a:r>
+              <a:rPr lang="en-US" sz="1400" dirty="0"/>
+              <a:t>User: </a:t>
+            </a:r>
+            <a:r>
+              <a:rPr lang="en-US" sz="1400" dirty="0" err="1"/>
+              <a:t>maryobreau</a:t>
+            </a:r>
+            <a:r>
+              <a:rPr lang="en-US" sz="1400" dirty="0"/>
+              <a:t> </a:t>
+            </a:r>
+            <a:br>
+              <a:rPr lang="en-US" sz="1400" dirty="0"/>
+            </a:br>
+            <a:br>
+              <a:rPr lang="en-US" sz="1400" b="1" i="0" dirty="0">
+                <a:effectLst/>
+              </a:rPr>
+            </a:br>
+            <a:r>
+              <a:rPr lang="en-US" sz="1400" b="0" i="0" dirty="0">
+                <a:effectLst/>
+              </a:rPr>
+              <a:t>Post in art:</a:t>
+            </a:r>
+            <a:endParaRPr lang="en-US" sz="1400" b="1" i="0" dirty="0">
+              <a:effectLst/>
+            </a:endParaRPr>
+          </a:p>
+          <a:p>
+            <a:pPr marL="0" indent="0">
+              <a:lnSpc>
+                <a:spcPts val="1425"/>
+              </a:lnSpc>
+              <a:buNone/>
+            </a:pPr>
+            <a:r>
+              <a:rPr lang="en-US" sz="1400" b="0" i="0" dirty="0">
+                <a:effectLst/>
+              </a:rPr>
+              <a:t>Subreddit: </a:t>
+            </a:r>
+            <a:r>
+              <a:rPr lang="en-US" sz="1400" b="0" i="0" dirty="0" err="1">
+                <a:effectLst/>
+              </a:rPr>
+              <a:t>ArtistLounge</a:t>
+            </a:r>
+            <a:r>
+              <a:rPr lang="en-US" sz="1400" b="0" i="0" dirty="0">
+                <a:effectLst/>
+              </a:rPr>
+              <a:t>, </a:t>
+            </a:r>
+          </a:p>
+          <a:p>
+            <a:pPr marL="0" indent="0">
+              <a:lnSpc>
+                <a:spcPts val="1425"/>
+              </a:lnSpc>
+              <a:buNone/>
+            </a:pPr>
+            <a:r>
+              <a:rPr lang="en-US" sz="1400" b="0" i="0" dirty="0">
+                <a:effectLst/>
+              </a:rPr>
+              <a:t>Title: To varnish or not to varnish, </a:t>
+            </a:r>
+          </a:p>
+          <a:p>
+            <a:pPr marL="0" indent="0">
+              <a:lnSpc>
+                <a:spcPts val="1425"/>
+              </a:lnSpc>
+              <a:buNone/>
+            </a:pPr>
+            <a:r>
+              <a:rPr lang="en-US" sz="1400" b="0" i="0" dirty="0">
+                <a:effectLst/>
+              </a:rPr>
+              <a:t>Text: Hi all, just to be sure if there is any varnish wisdom to grasp out there : I usually use some satin varnish on my </a:t>
+            </a:r>
+            <a:r>
+              <a:rPr lang="en-US" sz="1400" dirty="0"/>
+              <a:t>acrylic paintings. I have been doing also some acrylic on paper recently, smaller work. I do a lot of layering and always have a thick pack of paint laying there, also on paper. I was wondering : does varnish make any sense when the painting will be behind (normal) glass eventually ? There's a lot of saturated colors and I would like them to last. Thank you for your experience and keep on creating ! </a:t>
+            </a:r>
+          </a:p>
+          <a:p>
+            <a:pPr marL="0" indent="0">
+              <a:lnSpc>
+                <a:spcPts val="1425"/>
+              </a:lnSpc>
+              <a:buNone/>
+            </a:pPr>
+            <a:r>
+              <a:rPr lang="en-US" sz="1400" dirty="0"/>
+              <a:t>Created at: 2024-11-04 23:04:44 </a:t>
+            </a:r>
+            <a:br>
+              <a:rPr lang="en-US" sz="1400" dirty="0"/>
+            </a:br>
+            <a:r>
+              <a:rPr lang="en-US" sz="1400" dirty="0"/>
+              <a:t>score: 1</a:t>
+            </a:r>
+          </a:p>
+          <a:p>
+            <a:pPr marL="0" indent="0">
+              <a:lnSpc>
+                <a:spcPts val="1425"/>
+              </a:lnSpc>
+              <a:buNone/>
+            </a:pPr>
+            <a:endParaRPr lang="en-US" sz="1400" dirty="0"/>
+          </a:p>
+          <a:p>
+            <a:pPr marL="0" indent="0">
+              <a:lnSpc>
+                <a:spcPts val="1425"/>
+              </a:lnSpc>
+              <a:buNone/>
+            </a:pPr>
+            <a:r>
+              <a:rPr lang="en-US" sz="1400" dirty="0"/>
+              <a:t>Post in sport:</a:t>
+            </a:r>
+          </a:p>
+          <a:p>
+            <a:pPr marL="0" indent="0" algn="l">
+              <a:buNone/>
+            </a:pPr>
+            <a:r>
+              <a:rPr lang="en-US" sz="1400" dirty="0"/>
+              <a:t>Subreddit: Swimming, </a:t>
+            </a:r>
+          </a:p>
+          <a:p>
+            <a:pPr marL="0" indent="0" algn="l">
+              <a:buNone/>
+            </a:pPr>
+            <a:r>
+              <a:rPr lang="en-US" sz="1400" dirty="0"/>
+              <a:t>Title: Injury but need the exercise, </a:t>
+            </a:r>
+          </a:p>
+          <a:p>
+            <a:pPr marL="0" indent="0" algn="l">
+              <a:buNone/>
+            </a:pPr>
+            <a:r>
+              <a:rPr lang="en-US" sz="1400" dirty="0"/>
+              <a:t>Text: Hi all, I'm a regular swimmer, twice a week like 0.6 miles (1 kilometer) front crawl. Unfortunately, I injured both Achilles' heels. I would like to continue my exercise but can't put any effort there. Are there any suggestions on how I could keep on swimming, maybe using any attributes? I'm new to that but maybe this is an opportunity to experiment.. Thanks in advance!</a:t>
+            </a:r>
+          </a:p>
+          <a:p>
+            <a:pPr marL="0" indent="0">
+              <a:buNone/>
+            </a:pPr>
+            <a:r>
+              <a:rPr lang="en-US" sz="1400" dirty="0"/>
+              <a:t>Created at: 2024-07-09 16:31:02 </a:t>
+            </a:r>
+            <a:br>
+              <a:rPr lang="en-US" sz="1400" dirty="0"/>
+            </a:br>
+            <a:r>
+              <a:rPr lang="en-US" sz="1400" dirty="0"/>
+              <a:t>score: 1</a:t>
+            </a:r>
+          </a:p>
+          <a:p>
+            <a:pPr marL="0" indent="0" algn="l">
+              <a:buNone/>
+            </a:pPr>
+            <a:endParaRPr lang="en-US" sz="1400" b="0" i="0" dirty="0">
+              <a:effectLst/>
+            </a:endParaRPr>
+          </a:p>
+        </p:txBody>
+      </p:sp>
+    </p:spTree>
+    <p:extLst>
+      <p:ext uri="{BB962C8B-B14F-4D97-AF65-F5344CB8AC3E}">
+        <p14:creationId xmlns:p14="http://schemas.microsoft.com/office/powerpoint/2010/main" val="2969043729"/>
+      </p:ext>
+    </p:extLst>
+  </p:cSld>
+  <p:clrMapOvr>
+    <a:masterClrMapping/>
+  </p:clrMapOvr>
+</p:sld>
+</file>
+
+<file path=ppt/slides/slide6.xml><?xml version="1.0" encoding="utf-8"?>
+<p:sld xmlns:a="http://schemas.openxmlformats.org/drawingml/2006/main" xmlns:r="http://schemas.openxmlformats.org/officeDocument/2006/relationships" xmlns:p="http://schemas.openxmlformats.org/presentationml/2006/main">
+  <p:cSld>
+    <p:spTree>
+      <p:nvGrpSpPr>
+        <p:cNvPr id="1" name="">
+          <a:extLst>
+            <a:ext uri="{FF2B5EF4-FFF2-40B4-BE49-F238E27FC236}">
+              <a16:creationId xmlns:a16="http://schemas.microsoft.com/office/drawing/2014/main" id="{A4D9BA96-C387-85AE-9B60-4F2C3BCEB123}"/>
+            </a:ext>
+          </a:extLst>
+        </p:cNvPr>
+        <p:cNvGrpSpPr/>
+        <p:nvPr/>
+      </p:nvGrpSpPr>
+      <p:grpSpPr>
+        <a:xfrm>
+          <a:off x="0" y="0"/>
+          <a:ext cx="0" cy="0"/>
+          <a:chOff x="0" y="0"/>
+          <a:chExt cx="0" cy="0"/>
+        </a:xfrm>
+      </p:grpSpPr>
+      <p:sp>
+        <p:nvSpPr>
+          <p:cNvPr id="2" name="Title 1">
+            <a:extLst>
+              <a:ext uri="{FF2B5EF4-FFF2-40B4-BE49-F238E27FC236}">
+                <a16:creationId xmlns:a16="http://schemas.microsoft.com/office/drawing/2014/main" id="{94F07661-6591-21F6-7C74-4C160FC74A15}"/>
+              </a:ext>
+            </a:extLst>
+          </p:cNvPr>
+          <p:cNvSpPr>
+            <a:spLocks noGrp="1"/>
+          </p:cNvSpPr>
+          <p:nvPr>
+            <p:ph type="title"/>
+          </p:nvPr>
+        </p:nvSpPr>
+        <p:spPr/>
+        <p:txBody>
+          <a:bodyPr/>
+          <a:lstStyle/>
+          <a:p>
+            <a:r>
+              <a:rPr lang="en-US" dirty="0"/>
+              <a:t>Examples From The Dataset</a:t>
+            </a:r>
+          </a:p>
+        </p:txBody>
+      </p:sp>
+      <p:sp>
+        <p:nvSpPr>
+          <p:cNvPr id="3" name="Content Placeholder 2">
+            <a:extLst>
+              <a:ext uri="{FF2B5EF4-FFF2-40B4-BE49-F238E27FC236}">
+                <a16:creationId xmlns:a16="http://schemas.microsoft.com/office/drawing/2014/main" id="{72291B27-5761-F26F-4202-609F49A7EB3C}"/>
+              </a:ext>
+            </a:extLst>
+          </p:cNvPr>
+          <p:cNvSpPr>
+            <a:spLocks noGrp="1"/>
+          </p:cNvSpPr>
+          <p:nvPr>
+            <p:ph idx="1"/>
+          </p:nvPr>
+        </p:nvSpPr>
+        <p:spPr/>
+        <p:txBody>
+          <a:bodyPr>
+            <a:normAutofit/>
+          </a:bodyPr>
+          <a:lstStyle/>
+          <a:p>
+            <a:pPr marL="0" indent="0">
+              <a:buNone/>
+            </a:pPr>
+            <a:r>
+              <a:rPr lang="en-US" sz="1400" b="1" i="0" dirty="0">
+                <a:effectLst/>
+              </a:rPr>
+              <a:t>User who wrote only in art forum: </a:t>
+            </a:r>
+          </a:p>
+          <a:p>
+            <a:pPr marL="0" indent="0">
+              <a:buNone/>
+            </a:pPr>
+            <a:endParaRPr lang="en-US" sz="1400" b="1" dirty="0"/>
+          </a:p>
+          <a:p>
+            <a:pPr marL="0" indent="0">
+              <a:buNone/>
+            </a:pPr>
+            <a:r>
+              <a:rPr lang="en-US" sz="1400" b="0" i="0" dirty="0">
+                <a:effectLst/>
+              </a:rPr>
+              <a:t>Username: </a:t>
+            </a:r>
+            <a:r>
+              <a:rPr lang="en-US" sz="1400" b="0" i="0" dirty="0" err="1">
+                <a:effectLst/>
+              </a:rPr>
+              <a:t>playforthoughts</a:t>
+            </a:r>
+            <a:r>
+              <a:rPr lang="en-US" sz="1400" b="0" i="0" dirty="0">
+                <a:effectLst/>
+              </a:rPr>
+              <a:t>, </a:t>
+            </a:r>
+          </a:p>
+          <a:p>
+            <a:pPr marL="0" indent="0">
+              <a:buNone/>
+            </a:pPr>
+            <a:r>
+              <a:rPr lang="en-US" sz="1400" b="0" i="0" dirty="0">
+                <a:effectLst/>
+              </a:rPr>
+              <a:t>Subreddit: </a:t>
+            </a:r>
+            <a:r>
+              <a:rPr lang="en-US" sz="1400" b="0" i="0" dirty="0" err="1">
+                <a:effectLst/>
+              </a:rPr>
+              <a:t>ArtistLounge</a:t>
+            </a:r>
+            <a:r>
+              <a:rPr lang="en-US" sz="1400" b="0" i="0" dirty="0">
+                <a:effectLst/>
+              </a:rPr>
+              <a:t>, </a:t>
+            </a:r>
+          </a:p>
+          <a:p>
+            <a:pPr marL="0" indent="0">
+              <a:buNone/>
+            </a:pPr>
+            <a:r>
+              <a:rPr lang="en-US" sz="1400" b="0" i="0" dirty="0">
+                <a:effectLst/>
+              </a:rPr>
+              <a:t>Title: Hey guys! I wrote an article exploring Francis Bacon's art through his signature distortion techniques and photographic influences. It’s a deep dive into how he captures psychological tension through raw and isolated </a:t>
+            </a:r>
+            <a:r>
+              <a:rPr lang="en-US" sz="1400" dirty="0"/>
+              <a:t>portraits. I hope you'll find it interesting and maybe learn something new!, </a:t>
+            </a:r>
+          </a:p>
+          <a:p>
+            <a:pPr marL="0" indent="0">
+              <a:buNone/>
+            </a:pPr>
+            <a:r>
+              <a:rPr lang="en-US" sz="1400" dirty="0"/>
+              <a:t>Text: The link for article is below: [</a:t>
+            </a:r>
+            <a:r>
+              <a:rPr lang="en-US" sz="1400" dirty="0">
+                <a:hlinkClick r:id="rId2">
+                  <a:extLst>
+                    <a:ext uri="{A12FA001-AC4F-418D-AE19-62706E023703}">
+                      <ahyp:hlinkClr xmlns:ahyp="http://schemas.microsoft.com/office/drawing/2018/hyperlinkcolor" val="tx"/>
+                    </a:ext>
+                  </a:extLst>
+                </a:hlinkClick>
+              </a:rPr>
+              <a:t>https://www.playforthoughts.com/blog/francis-bacon](https://www.playforthoughts.com/blog/francis-bacon</a:t>
+            </a:r>
+            <a:r>
+              <a:rPr lang="en-US" sz="1400" dirty="0"/>
+              <a:t>) </a:t>
+            </a:r>
+          </a:p>
+          <a:p>
+            <a:pPr marL="0" indent="0">
+              <a:buNone/>
+            </a:pPr>
+            <a:r>
+              <a:rPr lang="en-US" sz="1400" dirty="0"/>
+              <a:t>Created at: 2024-11-04 22:47:58 </a:t>
+            </a:r>
+            <a:br>
+              <a:rPr lang="en-US" sz="1400" dirty="0"/>
+            </a:br>
+            <a:r>
+              <a:rPr lang="en-US" sz="1400" dirty="0"/>
+              <a:t>Score: 12</a:t>
+            </a:r>
+            <a:br>
+              <a:rPr lang="en-US" sz="1400" dirty="0"/>
+            </a:br>
+            <a:endParaRPr lang="en-US" sz="1400" dirty="0"/>
+          </a:p>
+        </p:txBody>
+      </p:sp>
+    </p:spTree>
+    <p:extLst>
+      <p:ext uri="{BB962C8B-B14F-4D97-AF65-F5344CB8AC3E}">
+        <p14:creationId xmlns:p14="http://schemas.microsoft.com/office/powerpoint/2010/main" val="3111498475"/>
+      </p:ext>
+    </p:extLst>
+  </p:cSld>
+  <p:clrMapOvr>
+    <a:masterClrMapping/>
+  </p:clrMapOvr>
+</p:sld>
+</file>
+
+<file path=ppt/slides/slide7.xml><?xml version="1.0" encoding="utf-8"?>
+<p:sld xmlns:a="http://schemas.openxmlformats.org/drawingml/2006/main" xmlns:r="http://schemas.openxmlformats.org/officeDocument/2006/relationships" xmlns:p="http://schemas.openxmlformats.org/presentationml/2006/main">
+  <p:cSld>
+    <p:spTree>
+      <p:nvGrpSpPr>
+        <p:cNvPr id="1" name=""/>
+        <p:cNvGrpSpPr/>
+        <p:nvPr/>
+      </p:nvGrpSpPr>
+      <p:grpSpPr>
+        <a:xfrm>
+          <a:off x="0" y="0"/>
+          <a:ext cx="0" cy="0"/>
+          <a:chOff x="0" y="0"/>
+          <a:chExt cx="0" cy="0"/>
+        </a:xfrm>
+      </p:grpSpPr>
+      <p:sp>
+        <p:nvSpPr>
+          <p:cNvPr id="2" name="כותרת 1"/>
+          <p:cNvSpPr>
+            <a:spLocks noGrp="1"/>
+          </p:cNvSpPr>
+          <p:nvPr>
+            <p:ph type="title"/>
+          </p:nvPr>
+        </p:nvSpPr>
+        <p:spPr/>
+        <p:txBody>
+          <a:bodyPr/>
+          <a:lstStyle/>
+          <a:p>
+            <a:r>
+              <a:rPr lang="en-US" dirty="0"/>
+              <a:t>Issues</a:t>
+            </a:r>
+          </a:p>
+        </p:txBody>
+      </p:sp>
+      <p:sp>
+        <p:nvSpPr>
+          <p:cNvPr id="3" name="מציין מיקום תוכן 2"/>
+          <p:cNvSpPr>
+            <a:spLocks noGrp="1"/>
+          </p:cNvSpPr>
+          <p:nvPr>
+            <p:ph idx="1"/>
+          </p:nvPr>
+        </p:nvSpPr>
+        <p:spPr>
+          <a:xfrm>
+            <a:off x="457200" y="1189037"/>
+            <a:ext cx="8229600" cy="4830763"/>
+          </a:xfrm>
+        </p:spPr>
+        <p:txBody>
+          <a:bodyPr/>
+          <a:lstStyle/>
+          <a:p>
+            <a:r>
+              <a:rPr lang="en-US" sz="2200" dirty="0"/>
+              <a:t>Find interesting natural experiment</a:t>
+            </a:r>
+          </a:p>
+          <a:p>
+            <a:r>
+              <a:rPr lang="en-US" sz="2200" dirty="0"/>
+              <a:t>API issues: stuck at registration, outdated anaconda </a:t>
+            </a:r>
+            <a:r>
+              <a:rPr lang="en-US" sz="2200" dirty="0" err="1"/>
+              <a:t>praw</a:t>
+            </a:r>
+            <a:r>
+              <a:rPr lang="en-US" sz="2200" dirty="0"/>
+              <a:t> library</a:t>
+            </a:r>
+          </a:p>
+          <a:p>
+            <a:r>
+              <a:rPr lang="en-US" sz="2200" dirty="0"/>
+              <a:t>Imbalance: take all? select from majority and interfere? Go far back in time?</a:t>
+            </a:r>
+          </a:p>
+          <a:p>
+            <a:r>
+              <a:rPr lang="en-US" sz="2200" dirty="0"/>
+              <a:t>Find more users in both art and sports was time-consuming + few</a:t>
+            </a:r>
+          </a:p>
+          <a:p>
+            <a:r>
+              <a:rPr lang="en-US" sz="2200" dirty="0"/>
+              <a:t>Which timing between activity periods in both fields?</a:t>
+            </a:r>
+          </a:p>
+          <a:p>
+            <a:r>
+              <a:rPr lang="en-US" sz="2200" dirty="0"/>
+              <a:t>Translate our interest into concrete subreddits and parsing texts</a:t>
+            </a:r>
+          </a:p>
+          <a:p>
+            <a:pPr marL="0" indent="0">
+              <a:buNone/>
+            </a:pPr>
+            <a:endParaRPr lang="en-US" sz="2800" dirty="0"/>
+          </a:p>
+          <a:p>
+            <a:pPr marL="0" indent="0">
+              <a:buNone/>
+            </a:pPr>
+            <a:endParaRPr lang="en-US" dirty="0"/>
+          </a:p>
+          <a:p>
+            <a:endParaRPr lang="en-US" dirty="0"/>
+          </a:p>
+        </p:txBody>
+      </p:sp>
+      <p:pic>
+        <p:nvPicPr>
+          <p:cNvPr id="1026" name="Picture 2" descr="340+ Fat Football Fan Stock Photos ..."/>
+          <p:cNvPicPr>
+            <a:picLocks noChangeAspect="1" noChangeArrowheads="1"/>
+          </p:cNvPicPr>
+          <p:nvPr/>
+        </p:nvPicPr>
+        <p:blipFill>
+          <a:blip r:embed="rId2">
+            <a:extLst>
+              <a:ext uri="{28A0092B-C50C-407E-A947-70E740481C1C}">
+                <a14:useLocalDpi xmlns:a14="http://schemas.microsoft.com/office/drawing/2010/main" val="0"/>
+              </a:ext>
+            </a:extLst>
+          </a:blip>
+          <a:srcRect/>
+          <a:stretch>
+            <a:fillRect/>
+          </a:stretch>
+        </p:blipFill>
+        <p:spPr bwMode="auto">
+          <a:xfrm>
+            <a:off x="990601" y="4397708"/>
+            <a:ext cx="2895600" cy="1926891"/>
+          </a:xfrm>
+          <a:prstGeom prst="rect">
+            <a:avLst/>
+          </a:prstGeom>
+          <a:noFill/>
+          <a:extLst>
+            <a:ext uri="{909E8E84-426E-40DD-AFC4-6F175D3DCCD1}">
+              <a14:hiddenFill xmlns:a14="http://schemas.microsoft.com/office/drawing/2010/main">
+                <a:solidFill>
+                  <a:srgbClr val="FFFFFF"/>
+                </a:solidFill>
+              </a14:hiddenFill>
+            </a:ext>
+          </a:extLst>
+        </p:spPr>
+      </p:pic>
+      <p:pic>
+        <p:nvPicPr>
+          <p:cNvPr id="1030" name="Picture 6" descr="6 Fitness Trends to Look Out for in 2022 - NASM"/>
+          <p:cNvPicPr>
+            <a:picLocks noChangeAspect="1" noChangeArrowheads="1"/>
+          </p:cNvPicPr>
+          <p:nvPr/>
+        </p:nvPicPr>
+        <p:blipFill>
+          <a:blip r:embed="rId3" cstate="print">
+            <a:extLst>
+              <a:ext uri="{28A0092B-C50C-407E-A947-70E740481C1C}">
+                <a14:useLocalDpi xmlns:a14="http://schemas.microsoft.com/office/drawing/2010/main" val="0"/>
+              </a:ext>
+            </a:extLst>
+          </a:blip>
+          <a:srcRect/>
+          <a:stretch>
+            <a:fillRect/>
+          </a:stretch>
+        </p:blipFill>
+        <p:spPr bwMode="auto">
+          <a:xfrm>
+            <a:off x="4953000" y="4402282"/>
+            <a:ext cx="3200400" cy="2036618"/>
+          </a:xfrm>
+          <a:prstGeom prst="rect">
+            <a:avLst/>
+          </a:prstGeom>
+          <a:noFill/>
+          <a:extLst>
+            <a:ext uri="{909E8E84-426E-40DD-AFC4-6F175D3DCCD1}">
+              <a14:hiddenFill xmlns:a14="http://schemas.microsoft.com/office/drawing/2010/main">
+                <a:solidFill>
+                  <a:srgbClr val="FFFFFF"/>
+                </a:solidFill>
+              </a14:hiddenFill>
+            </a:ext>
+          </a:extLst>
+        </p:spPr>
+      </p:pic>
+      <p:sp>
+        <p:nvSpPr>
+          <p:cNvPr id="5" name="TextBox 4"/>
+          <p:cNvSpPr txBox="1"/>
+          <p:nvPr/>
+        </p:nvSpPr>
+        <p:spPr>
+          <a:xfrm>
+            <a:off x="4267200" y="5029200"/>
+            <a:ext cx="381000" cy="369332"/>
+          </a:xfrm>
+          <a:prstGeom prst="rect">
+            <a:avLst/>
+          </a:prstGeom>
+          <a:noFill/>
+        </p:spPr>
+        <p:txBody>
+          <a:bodyPr wrap="square" rtlCol="0">
+            <a:spAutoFit/>
+          </a:bodyPr>
+          <a:lstStyle/>
+          <a:p>
+            <a:r>
+              <a:rPr lang="en-US" dirty="0" err="1"/>
+              <a:t>vs</a:t>
+            </a:r>
+            <a:endParaRPr lang="en-US" dirty="0"/>
+          </a:p>
+        </p:txBody>
+      </p:sp>
+      <p:sp>
+        <p:nvSpPr>
+          <p:cNvPr id="6" name="מלבן 5"/>
+          <p:cNvSpPr/>
+          <p:nvPr/>
+        </p:nvSpPr>
+        <p:spPr>
+          <a:xfrm>
+            <a:off x="4959291" y="6438900"/>
+            <a:ext cx="1721946" cy="215444"/>
+          </a:xfrm>
+          <a:prstGeom prst="rect">
+            <a:avLst/>
+          </a:prstGeom>
+        </p:spPr>
+        <p:txBody>
+          <a:bodyPr wrap="none">
+            <a:spAutoFit/>
+          </a:bodyPr>
+          <a:lstStyle/>
+          <a:p>
+            <a:r>
+              <a:rPr lang="en-US" sz="800" dirty="0"/>
+              <a:t>https://blog.nasm.org/fitness-trends</a:t>
+            </a:r>
+          </a:p>
+        </p:txBody>
+      </p:sp>
+      <p:sp>
+        <p:nvSpPr>
+          <p:cNvPr id="7" name="מלבן 6"/>
+          <p:cNvSpPr/>
+          <p:nvPr/>
+        </p:nvSpPr>
+        <p:spPr>
+          <a:xfrm>
+            <a:off x="326451" y="6367046"/>
+            <a:ext cx="4572000" cy="338554"/>
+          </a:xfrm>
+          <a:prstGeom prst="rect">
+            <a:avLst/>
+          </a:prstGeom>
+        </p:spPr>
+        <p:txBody>
+          <a:bodyPr>
+            <a:spAutoFit/>
+          </a:bodyPr>
+          <a:lstStyle/>
+          <a:p>
+            <a:r>
+              <a:rPr lang="en-US" sz="800" dirty="0"/>
+              <a:t>https://www.istockphoto.com/photo/overweight-man-watching-a-soccer-match-gm1084453658-290977139</a:t>
+            </a:r>
+          </a:p>
+        </p:txBody>
+      </p:sp>
+      <p:sp>
+        <p:nvSpPr>
+          <p:cNvPr id="9" name="כפל 8"/>
+          <p:cNvSpPr/>
+          <p:nvPr/>
+        </p:nvSpPr>
+        <p:spPr>
+          <a:xfrm>
+            <a:off x="457200" y="4038600"/>
+            <a:ext cx="1295400" cy="1084118"/>
+          </a:xfrm>
+          <a:prstGeom prst="mathMultiply">
+            <a:avLst/>
+          </a:prstGeom>
+        </p:spPr>
+        <p:style>
+          <a:lnRef idx="2">
+            <a:schemeClr val="accent2">
+              <a:shade val="50000"/>
+            </a:schemeClr>
+          </a:lnRef>
+          <a:fillRef idx="1">
+            <a:schemeClr val="accent2"/>
+          </a:fillRef>
+          <a:effectRef idx="0">
+            <a:schemeClr val="accent2"/>
+          </a:effectRef>
+          <a:fontRef idx="minor">
+            <a:schemeClr val="lt1"/>
+          </a:fontRef>
+        </p:style>
+        <p:txBody>
+          <a:bodyPr rtlCol="0" anchor="ctr"/>
+          <a:lstStyle/>
+          <a:p>
+            <a:pPr algn="ctr"/>
+            <a:endParaRPr lang="en-US"/>
+          </a:p>
+        </p:txBody>
+      </p:sp>
+      <p:sp>
+        <p:nvSpPr>
+          <p:cNvPr id="10" name="מלבן 9"/>
+          <p:cNvSpPr/>
+          <p:nvPr/>
+        </p:nvSpPr>
+        <p:spPr>
+          <a:xfrm>
+            <a:off x="4564901" y="3733800"/>
+            <a:ext cx="912429" cy="1569660"/>
+          </a:xfrm>
+          <a:prstGeom prst="rect">
+            <a:avLst/>
+          </a:prstGeom>
+          <a:noFill/>
+        </p:spPr>
+        <p:txBody>
+          <a:bodyPr wrap="none" lIns="91440" tIns="45720" rIns="91440" bIns="45720">
+            <a:spAutoFit/>
+            <a:scene3d>
+              <a:camera prst="orthographicFront"/>
+              <a:lightRig rig="flat" dir="t">
+                <a:rot lat="0" lon="0" rev="18900000"/>
+              </a:lightRig>
+            </a:scene3d>
+            <a:sp3d extrusionH="31750" contourW="6350" prstMaterial="powder">
+              <a:bevelT w="19050" h="19050" prst="angle"/>
+              <a:contourClr>
+                <a:schemeClr val="accent3">
+                  <a:tint val="100000"/>
+                  <a:shade val="100000"/>
+                  <a:satMod val="100000"/>
+                  <a:hueMod val="100000"/>
+                </a:schemeClr>
+              </a:contourClr>
+            </a:sp3d>
+          </a:bodyPr>
+          <a:lstStyle/>
+          <a:p>
+            <a:pPr algn="ctr"/>
+            <a:r>
+              <a:rPr lang="en-US" sz="9600" b="1" cap="none" spc="0" dirty="0">
+                <a:ln/>
+                <a:solidFill>
+                  <a:schemeClr val="accent3"/>
+                </a:solidFill>
+                <a:effectLst/>
+              </a:rPr>
+              <a:t>V</a:t>
+            </a:r>
+            <a:endParaRPr lang="he-IL" sz="9600" b="1" cap="none" spc="0" dirty="0">
+              <a:ln/>
+              <a:solidFill>
+                <a:schemeClr val="accent3"/>
+              </a:solidFill>
+              <a:effectLst/>
+            </a:endParaRPr>
+          </a:p>
+        </p:txBody>
+      </p:sp>
+    </p:spTree>
+    <p:extLst>
+      <p:ext uri="{BB962C8B-B14F-4D97-AF65-F5344CB8AC3E}">
+        <p14:creationId xmlns:p14="http://schemas.microsoft.com/office/powerpoint/2010/main" val="3068593895"/>
+      </p:ext>
+    </p:extLst>
+  </p:cSld>
+  <p:clrMapOvr>
+    <a:masterClrMapping/>
+  </p:clrMapOvr>
+</p:sld>
+</file>
+
+<file path=ppt/slides/slide8.xml><?xml version="1.0" encoding="utf-8"?>
+<p:sld xmlns:a="http://schemas.openxmlformats.org/drawingml/2006/main" xmlns:r="http://schemas.openxmlformats.org/officeDocument/2006/relationships" xmlns:p="http://schemas.openxmlformats.org/presentationml/2006/main" show="0">
   <p:cSld>
     <p:spTree>
       <p:nvGrpSpPr>
@@ -3286,611 +6930,6 @@
   <p:clrMapOvr>
     <a:masterClrMapping/>
   </p:clrMapOvr>
-  <p:timing>
-    <p:tnLst>
-      <p:par>
-        <p:cTn id="1" dur="indefinite" restart="never" nodeType="tmRoot"/>
-      </p:par>
-    </p:tnLst>
-  </p:timing>
-</p:sld>
-</file>
-
-<file path=ppt/slides/slide3.xml><?xml version="1.0" encoding="utf-8"?>
-<p:sld xmlns:a="http://schemas.openxmlformats.org/drawingml/2006/main" xmlns:r="http://schemas.openxmlformats.org/officeDocument/2006/relationships" xmlns:p="http://schemas.openxmlformats.org/presentationml/2006/main">
-  <p:cSld>
-    <p:spTree>
-      <p:nvGrpSpPr>
-        <p:cNvPr id="1" name=""/>
-        <p:cNvGrpSpPr/>
-        <p:nvPr/>
-      </p:nvGrpSpPr>
-      <p:grpSpPr>
-        <a:xfrm>
-          <a:off x="0" y="0"/>
-          <a:ext cx="0" cy="0"/>
-          <a:chOff x="0" y="0"/>
-          <a:chExt cx="0" cy="0"/>
-        </a:xfrm>
-      </p:grpSpPr>
-      <p:sp>
-        <p:nvSpPr>
-          <p:cNvPr id="2" name="כותרת 1"/>
-          <p:cNvSpPr>
-            <a:spLocks noGrp="1"/>
-          </p:cNvSpPr>
-          <p:nvPr>
-            <p:ph type="title"/>
-          </p:nvPr>
-        </p:nvSpPr>
-        <p:spPr/>
-        <p:txBody>
-          <a:bodyPr/>
-          <a:lstStyle/>
-          <a:p>
-            <a:r>
-              <a:rPr lang="en-US" dirty="0" smtClean="0"/>
-              <a:t>Data set</a:t>
-            </a:r>
-            <a:endParaRPr lang="en-US" dirty="0"/>
-          </a:p>
-        </p:txBody>
-      </p:sp>
-      <p:sp>
-        <p:nvSpPr>
-          <p:cNvPr id="3" name="מציין מיקום תוכן 2"/>
-          <p:cNvSpPr>
-            <a:spLocks noGrp="1"/>
-          </p:cNvSpPr>
-          <p:nvPr>
-            <p:ph idx="1"/>
-          </p:nvPr>
-        </p:nvSpPr>
-        <p:spPr/>
-        <p:txBody>
-          <a:bodyPr/>
-          <a:lstStyle/>
-          <a:p>
-            <a:r>
-              <a:rPr lang="en-US" dirty="0" smtClean="0"/>
-              <a:t>We want to answer through internet data</a:t>
-            </a:r>
-          </a:p>
-          <a:p>
-            <a:r>
-              <a:rPr lang="en-US" dirty="0" smtClean="0"/>
-              <a:t>From </a:t>
-            </a:r>
-            <a:r>
-              <a:rPr lang="en-US" dirty="0" err="1" smtClean="0"/>
-              <a:t>Reddit</a:t>
-            </a:r>
-            <a:endParaRPr lang="en-US" dirty="0" smtClean="0"/>
-          </a:p>
-          <a:p>
-            <a:r>
-              <a:rPr lang="en-US" dirty="0" err="1" smtClean="0"/>
-              <a:t>Subreddits</a:t>
-            </a:r>
-            <a:r>
-              <a:rPr lang="en-US" dirty="0" smtClean="0"/>
-              <a:t> in English</a:t>
-            </a:r>
-          </a:p>
-          <a:p>
-            <a:r>
-              <a:rPr lang="en-US" dirty="0" smtClean="0"/>
-              <a:t>Although not natural, it is not under our control but the selection is done by the users themselves without our intervention</a:t>
-            </a:r>
-          </a:p>
-          <a:p>
-            <a:endParaRPr lang="en-US" dirty="0"/>
-          </a:p>
-        </p:txBody>
-      </p:sp>
-    </p:spTree>
-    <p:extLst>
-      <p:ext uri="{BB962C8B-B14F-4D97-AF65-F5344CB8AC3E}">
-        <p14:creationId xmlns:p14="http://schemas.microsoft.com/office/powerpoint/2010/main" val="2418033030"/>
-      </p:ext>
-    </p:extLst>
-  </p:cSld>
-  <p:clrMapOvr>
-    <a:masterClrMapping/>
-  </p:clrMapOvr>
-  <p:timing>
-    <p:tnLst>
-      <p:par>
-        <p:cTn id="1" dur="indefinite" restart="never" nodeType="tmRoot"/>
-      </p:par>
-    </p:tnLst>
-  </p:timing>
-</p:sld>
-</file>
-
-<file path=ppt/slides/slide4.xml><?xml version="1.0" encoding="utf-8"?>
-<p:sld xmlns:a="http://schemas.openxmlformats.org/drawingml/2006/main" xmlns:r="http://schemas.openxmlformats.org/officeDocument/2006/relationships" xmlns:p="http://schemas.openxmlformats.org/presentationml/2006/main">
-  <p:cSld>
-    <p:spTree>
-      <p:nvGrpSpPr>
-        <p:cNvPr id="1" name=""/>
-        <p:cNvGrpSpPr/>
-        <p:nvPr/>
-      </p:nvGrpSpPr>
-      <p:grpSpPr>
-        <a:xfrm>
-          <a:off x="0" y="0"/>
-          <a:ext cx="0" cy="0"/>
-          <a:chOff x="0" y="0"/>
-          <a:chExt cx="0" cy="0"/>
-        </a:xfrm>
-      </p:grpSpPr>
-      <p:sp>
-        <p:nvSpPr>
-          <p:cNvPr id="2" name="כותרת 1"/>
-          <p:cNvSpPr>
-            <a:spLocks noGrp="1"/>
-          </p:cNvSpPr>
-          <p:nvPr>
-            <p:ph type="title"/>
-          </p:nvPr>
-        </p:nvSpPr>
-        <p:spPr/>
-        <p:txBody>
-          <a:bodyPr/>
-          <a:lstStyle/>
-          <a:p>
-            <a:endParaRPr lang="en-US" dirty="0"/>
-          </a:p>
-        </p:txBody>
-      </p:sp>
-      <p:sp>
-        <p:nvSpPr>
-          <p:cNvPr id="3" name="מציין מיקום תוכן 2"/>
-          <p:cNvSpPr>
-            <a:spLocks noGrp="1"/>
-          </p:cNvSpPr>
-          <p:nvPr>
-            <p:ph idx="1"/>
-          </p:nvPr>
-        </p:nvSpPr>
-        <p:spPr/>
-        <p:txBody>
-          <a:bodyPr/>
-          <a:lstStyle/>
-          <a:p>
-            <a:endParaRPr lang="en-US" dirty="0"/>
-          </a:p>
-        </p:txBody>
-      </p:sp>
-      <p:sp>
-        <p:nvSpPr>
-          <p:cNvPr id="4" name="אליפסה 3"/>
-          <p:cNvSpPr/>
-          <p:nvPr/>
-        </p:nvSpPr>
-        <p:spPr>
-          <a:xfrm>
-            <a:off x="533400" y="1351280"/>
-            <a:ext cx="5219700" cy="4820920"/>
-          </a:xfrm>
-          <a:prstGeom prst="ellipse">
-            <a:avLst/>
-          </a:prstGeom>
-          <a:solidFill>
-            <a:srgbClr val="FDDBFB">
-              <a:alpha val="38824"/>
-            </a:srgbClr>
-          </a:solidFill>
-        </p:spPr>
-        <p:style>
-          <a:lnRef idx="2">
-            <a:schemeClr val="accent1">
-              <a:shade val="50000"/>
-            </a:schemeClr>
-          </a:lnRef>
-          <a:fillRef idx="1">
-            <a:schemeClr val="accent1"/>
-          </a:fillRef>
-          <a:effectRef idx="0">
-            <a:schemeClr val="accent1"/>
-          </a:effectRef>
-          <a:fontRef idx="minor">
-            <a:schemeClr val="lt1"/>
-          </a:fontRef>
-        </p:style>
-        <p:txBody>
-          <a:bodyPr rtlCol="0" anchor="ctr"/>
-          <a:lstStyle/>
-          <a:p>
-            <a:pPr algn="ctr"/>
-            <a:r>
-              <a:rPr lang="en-US" sz="7200" dirty="0" smtClean="0">
-                <a:solidFill>
-                  <a:schemeClr val="tx1"/>
-                </a:solidFill>
-              </a:rPr>
-              <a:t>Art</a:t>
-            </a:r>
-            <a:endParaRPr lang="en-US" sz="7200" dirty="0">
-              <a:solidFill>
-                <a:schemeClr val="tx1"/>
-              </a:solidFill>
-            </a:endParaRPr>
-          </a:p>
-        </p:txBody>
-      </p:sp>
-      <p:sp>
-        <p:nvSpPr>
-          <p:cNvPr id="5" name="אליפסה 4"/>
-          <p:cNvSpPr/>
-          <p:nvPr/>
-        </p:nvSpPr>
-        <p:spPr>
-          <a:xfrm>
-            <a:off x="3733800" y="1351280"/>
-            <a:ext cx="4800600" cy="4800600"/>
-          </a:xfrm>
-          <a:prstGeom prst="ellipse">
-            <a:avLst/>
-          </a:prstGeom>
-          <a:solidFill>
-            <a:schemeClr val="accent1">
-              <a:alpha val="26000"/>
-            </a:schemeClr>
-          </a:solidFill>
-        </p:spPr>
-        <p:style>
-          <a:lnRef idx="2">
-            <a:schemeClr val="accent1">
-              <a:shade val="50000"/>
-            </a:schemeClr>
-          </a:lnRef>
-          <a:fillRef idx="1">
-            <a:schemeClr val="accent1"/>
-          </a:fillRef>
-          <a:effectRef idx="0">
-            <a:schemeClr val="accent1"/>
-          </a:effectRef>
-          <a:fontRef idx="minor">
-            <a:schemeClr val="lt1"/>
-          </a:fontRef>
-        </p:style>
-        <p:txBody>
-          <a:bodyPr rtlCol="0" anchor="ctr"/>
-          <a:lstStyle/>
-          <a:p>
-            <a:pPr algn="ctr"/>
-            <a:r>
-              <a:rPr lang="en-US" sz="7200" dirty="0" smtClean="0">
-                <a:solidFill>
-                  <a:schemeClr val="tx1"/>
-                </a:solidFill>
-              </a:rPr>
-              <a:t>Sport</a:t>
-            </a:r>
-            <a:endParaRPr lang="en-US" sz="7200" dirty="0">
-              <a:solidFill>
-                <a:schemeClr val="tx1"/>
-              </a:solidFill>
-            </a:endParaRPr>
-          </a:p>
-        </p:txBody>
-      </p:sp>
-    </p:spTree>
-    <p:extLst>
-      <p:ext uri="{BB962C8B-B14F-4D97-AF65-F5344CB8AC3E}">
-        <p14:creationId xmlns:p14="http://schemas.microsoft.com/office/powerpoint/2010/main" val="558192156"/>
-      </p:ext>
-    </p:extLst>
-  </p:cSld>
-  <p:clrMapOvr>
-    <a:masterClrMapping/>
-  </p:clrMapOvr>
-  <p:timing>
-    <p:tnLst>
-      <p:par>
-        <p:cTn id="1" dur="indefinite" restart="never" nodeType="tmRoot"/>
-      </p:par>
-    </p:tnLst>
-  </p:timing>
-</p:sld>
-</file>
-
-<file path=ppt/slides/slide5.xml><?xml version="1.0" encoding="utf-8"?>
-<p:sld xmlns:a="http://schemas.openxmlformats.org/drawingml/2006/main" xmlns:r="http://schemas.openxmlformats.org/officeDocument/2006/relationships" xmlns:p="http://schemas.openxmlformats.org/presentationml/2006/main">
-  <p:cSld>
-    <p:spTree>
-      <p:nvGrpSpPr>
-        <p:cNvPr id="1" name=""/>
-        <p:cNvGrpSpPr/>
-        <p:nvPr/>
-      </p:nvGrpSpPr>
-      <p:grpSpPr>
-        <a:xfrm>
-          <a:off x="0" y="0"/>
-          <a:ext cx="0" cy="0"/>
-          <a:chOff x="0" y="0"/>
-          <a:chExt cx="0" cy="0"/>
-        </a:xfrm>
-      </p:grpSpPr>
-      <p:sp>
-        <p:nvSpPr>
-          <p:cNvPr id="2" name="כותרת 1"/>
-          <p:cNvSpPr>
-            <a:spLocks noGrp="1"/>
-          </p:cNvSpPr>
-          <p:nvPr>
-            <p:ph type="title"/>
-          </p:nvPr>
-        </p:nvSpPr>
-        <p:spPr/>
-        <p:txBody>
-          <a:bodyPr/>
-          <a:lstStyle/>
-          <a:p>
-            <a:r>
-              <a:rPr lang="en-US" dirty="0" smtClean="0"/>
-              <a:t>Issues</a:t>
-            </a:r>
-            <a:endParaRPr lang="en-US" dirty="0"/>
-          </a:p>
-        </p:txBody>
-      </p:sp>
-      <p:sp>
-        <p:nvSpPr>
-          <p:cNvPr id="3" name="מציין מיקום תוכן 2"/>
-          <p:cNvSpPr>
-            <a:spLocks noGrp="1"/>
-          </p:cNvSpPr>
-          <p:nvPr>
-            <p:ph idx="1"/>
-          </p:nvPr>
-        </p:nvSpPr>
-        <p:spPr>
-          <a:xfrm>
-            <a:off x="457200" y="1295400"/>
-            <a:ext cx="8229600" cy="4830763"/>
-          </a:xfrm>
-        </p:spPr>
-        <p:txBody>
-          <a:bodyPr/>
-          <a:lstStyle/>
-          <a:p>
-            <a:r>
-              <a:rPr lang="en-US" dirty="0"/>
-              <a:t>F</a:t>
-            </a:r>
-            <a:r>
-              <a:rPr lang="en-US" dirty="0" smtClean="0"/>
-              <a:t>ind interesting natural experiment</a:t>
-            </a:r>
-          </a:p>
-          <a:p>
-            <a:r>
-              <a:rPr lang="en-US" dirty="0" smtClean="0"/>
-              <a:t>Stuck </a:t>
-            </a:r>
-            <a:r>
-              <a:rPr lang="en-US" dirty="0" smtClean="0"/>
-              <a:t>at </a:t>
-            </a:r>
-            <a:r>
-              <a:rPr lang="en-US" smtClean="0"/>
-              <a:t>registration stage</a:t>
-            </a:r>
-            <a:endParaRPr lang="en-US" dirty="0" smtClean="0"/>
-          </a:p>
-          <a:p>
-            <a:r>
-              <a:rPr lang="en-US" dirty="0" smtClean="0"/>
-              <a:t>Translate our interest into concrete </a:t>
-            </a:r>
-            <a:r>
-              <a:rPr lang="en-US" dirty="0" err="1" smtClean="0"/>
-              <a:t>subreddits</a:t>
-            </a:r>
-            <a:r>
-              <a:rPr lang="en-US" dirty="0" smtClean="0"/>
-              <a:t> and parsing texts</a:t>
-            </a:r>
-          </a:p>
-          <a:p>
-            <a:pPr marL="0" indent="0">
-              <a:buNone/>
-            </a:pPr>
-            <a:endParaRPr lang="en-US" dirty="0" smtClean="0"/>
-          </a:p>
-          <a:p>
-            <a:endParaRPr lang="en-US" dirty="0"/>
-          </a:p>
-        </p:txBody>
-      </p:sp>
-      <p:pic>
-        <p:nvPicPr>
-          <p:cNvPr id="1026" name="Picture 2" descr="340+ Fat Football Fan Stock Photos ..."/>
-          <p:cNvPicPr>
-            <a:picLocks noChangeAspect="1" noChangeArrowheads="1"/>
-          </p:cNvPicPr>
-          <p:nvPr/>
-        </p:nvPicPr>
-        <p:blipFill>
-          <a:blip r:embed="rId2">
-            <a:extLst>
-              <a:ext uri="{28A0092B-C50C-407E-A947-70E740481C1C}">
-                <a14:useLocalDpi xmlns:a14="http://schemas.microsoft.com/office/drawing/2010/main" val="0"/>
-              </a:ext>
-            </a:extLst>
-          </a:blip>
-          <a:srcRect/>
-          <a:stretch>
-            <a:fillRect/>
-          </a:stretch>
-        </p:blipFill>
-        <p:spPr bwMode="auto">
-          <a:xfrm>
-            <a:off x="990600" y="3937462"/>
-            <a:ext cx="3243703" cy="2158538"/>
-          </a:xfrm>
-          <a:prstGeom prst="rect">
-            <a:avLst/>
-          </a:prstGeom>
-          <a:noFill/>
-          <a:extLst>
-            <a:ext uri="{909E8E84-426E-40DD-AFC4-6F175D3DCCD1}">
-              <a14:hiddenFill xmlns:a14="http://schemas.microsoft.com/office/drawing/2010/main">
-                <a:solidFill>
-                  <a:srgbClr val="FFFFFF"/>
-                </a:solidFill>
-              </a14:hiddenFill>
-            </a:ext>
-          </a:extLst>
-        </p:spPr>
-      </p:pic>
-      <p:pic>
-        <p:nvPicPr>
-          <p:cNvPr id="1030" name="Picture 6" descr="6 Fitness Trends to Look Out for in 2022 - NASM"/>
-          <p:cNvPicPr>
-            <a:picLocks noChangeAspect="1" noChangeArrowheads="1"/>
-          </p:cNvPicPr>
-          <p:nvPr/>
-        </p:nvPicPr>
-        <p:blipFill>
-          <a:blip r:embed="rId3">
-            <a:extLst>
-              <a:ext uri="{28A0092B-C50C-407E-A947-70E740481C1C}">
-                <a14:useLocalDpi xmlns:a14="http://schemas.microsoft.com/office/drawing/2010/main" val="0"/>
-              </a:ext>
-            </a:extLst>
-          </a:blip>
-          <a:srcRect/>
-          <a:stretch>
-            <a:fillRect/>
-          </a:stretch>
-        </p:blipFill>
-        <p:spPr bwMode="auto">
-          <a:xfrm>
-            <a:off x="4953000" y="3914775"/>
-            <a:ext cx="3607254" cy="2295525"/>
-          </a:xfrm>
-          <a:prstGeom prst="rect">
-            <a:avLst/>
-          </a:prstGeom>
-          <a:noFill/>
-          <a:extLst>
-            <a:ext uri="{909E8E84-426E-40DD-AFC4-6F175D3DCCD1}">
-              <a14:hiddenFill xmlns:a14="http://schemas.microsoft.com/office/drawing/2010/main">
-                <a:solidFill>
-                  <a:srgbClr val="FFFFFF"/>
-                </a:solidFill>
-              </a14:hiddenFill>
-            </a:ext>
-          </a:extLst>
-        </p:spPr>
-      </p:pic>
-      <p:sp>
-        <p:nvSpPr>
-          <p:cNvPr id="5" name="TextBox 4"/>
-          <p:cNvSpPr txBox="1"/>
-          <p:nvPr/>
-        </p:nvSpPr>
-        <p:spPr>
-          <a:xfrm>
-            <a:off x="4419600" y="4800600"/>
-            <a:ext cx="381000" cy="369332"/>
-          </a:xfrm>
-          <a:prstGeom prst="rect">
-            <a:avLst/>
-          </a:prstGeom>
-          <a:noFill/>
-        </p:spPr>
-        <p:txBody>
-          <a:bodyPr wrap="square" rtlCol="0">
-            <a:spAutoFit/>
-          </a:bodyPr>
-          <a:lstStyle/>
-          <a:p>
-            <a:r>
-              <a:rPr lang="en-US" dirty="0" err="1" smtClean="0"/>
-              <a:t>vs</a:t>
-            </a:r>
-            <a:endParaRPr lang="en-US" dirty="0"/>
-          </a:p>
-        </p:txBody>
-      </p:sp>
-      <p:sp>
-        <p:nvSpPr>
-          <p:cNvPr id="6" name="מלבן 5"/>
-          <p:cNvSpPr/>
-          <p:nvPr/>
-        </p:nvSpPr>
-        <p:spPr>
-          <a:xfrm>
-            <a:off x="4959291" y="6210300"/>
-            <a:ext cx="1721946" cy="215444"/>
-          </a:xfrm>
-          <a:prstGeom prst="rect">
-            <a:avLst/>
-          </a:prstGeom>
-        </p:spPr>
-        <p:txBody>
-          <a:bodyPr wrap="none">
-            <a:spAutoFit/>
-          </a:bodyPr>
-          <a:lstStyle/>
-          <a:p>
-            <a:r>
-              <a:rPr lang="en-US" sz="800" dirty="0"/>
-              <a:t>https://blog.nasm.org/fitness-trends</a:t>
-            </a:r>
-          </a:p>
-        </p:txBody>
-      </p:sp>
-      <p:sp>
-        <p:nvSpPr>
-          <p:cNvPr id="7" name="מלבן 6"/>
-          <p:cNvSpPr/>
-          <p:nvPr/>
-        </p:nvSpPr>
-        <p:spPr>
-          <a:xfrm>
-            <a:off x="326451" y="6138446"/>
-            <a:ext cx="4572000" cy="338554"/>
-          </a:xfrm>
-          <a:prstGeom prst="rect">
-            <a:avLst/>
-          </a:prstGeom>
-        </p:spPr>
-        <p:txBody>
-          <a:bodyPr>
-            <a:spAutoFit/>
-          </a:bodyPr>
-          <a:lstStyle/>
-          <a:p>
-            <a:r>
-              <a:rPr lang="en-US" sz="800" dirty="0"/>
-              <a:t>https://www.istockphoto.com/photo/overweight-man-watching-a-soccer-match-gm1084453658-290977139</a:t>
-            </a:r>
-          </a:p>
-        </p:txBody>
-      </p:sp>
-    </p:spTree>
-    <p:extLst>
-      <p:ext uri="{BB962C8B-B14F-4D97-AF65-F5344CB8AC3E}">
-        <p14:creationId xmlns:p14="http://schemas.microsoft.com/office/powerpoint/2010/main" val="3068593895"/>
-      </p:ext>
-    </p:extLst>
-  </p:cSld>
-  <p:clrMapOvr>
-    <a:masterClrMapping/>
-  </p:clrMapOvr>
-  <p:timing>
-    <p:tnLst>
-      <p:par>
-        <p:cTn id="1" dur="indefinite" restart="never" nodeType="tmRoot"/>
-      </p:par>
-    </p:tnLst>
-  </p:timing>
 </p:sld>
 </file>
 
@@ -4177,4 +7216,299 @@
   <a:objectDefaults/>
   <a:extraClrSchemeLst/>
 </a:theme>
+</file>
+
+<file path=ppt/theme/theme2.xml><?xml version="1.0" encoding="utf-8"?>
+<a:theme xmlns:a="http://schemas.openxmlformats.org/drawingml/2006/main" name="Office Theme">
+  <a:themeElements>
+    <a:clrScheme name="Office">
+      <a:dk1>
+        <a:sysClr val="windowText" lastClr="000000"/>
+      </a:dk1>
+      <a:lt1>
+        <a:sysClr val="window" lastClr="FFFFFF"/>
+      </a:lt1>
+      <a:dk2>
+        <a:srgbClr val="44546A"/>
+      </a:dk2>
+      <a:lt2>
+        <a:srgbClr val="E7E6E6"/>
+      </a:lt2>
+      <a:accent1>
+        <a:srgbClr val="4472C4"/>
+      </a:accent1>
+      <a:accent2>
+        <a:srgbClr val="ED7D31"/>
+      </a:accent2>
+      <a:accent3>
+        <a:srgbClr val="A5A5A5"/>
+      </a:accent3>
+      <a:accent4>
+        <a:srgbClr val="FFC000"/>
+      </a:accent4>
+      <a:accent5>
+        <a:srgbClr val="5B9BD5"/>
+      </a:accent5>
+      <a:accent6>
+        <a:srgbClr val="70AD47"/>
+      </a:accent6>
+      <a:hlink>
+        <a:srgbClr val="0563C1"/>
+      </a:hlink>
+      <a:folHlink>
+        <a:srgbClr val="954F72"/>
+      </a:folHlink>
+    </a:clrScheme>
+    <a:fontScheme name="Office">
+      <a:majorFont>
+        <a:latin typeface="Calibri Light" panose="020F0302020204030204"/>
+        <a:ea typeface=""/>
+        <a:cs typeface=""/>
+        <a:font script="Jpan" typeface="游ゴシック Light"/>
+        <a:font script="Hang" typeface="맑은 고딕"/>
+        <a:font script="Hans" typeface="等线 Light"/>
+        <a:font script="Hant" typeface="新細明體"/>
+        <a:font script="Arab" typeface="Times New Roman"/>
+        <a:font script="Hebr" typeface="Times New Roman"/>
+        <a:font script="Thai" typeface="Angsana New"/>
+        <a:font script="Ethi" typeface="Nyala"/>
+        <a:font script="Beng" typeface="Vrinda"/>
+        <a:font script="Gujr" typeface="Shruti"/>
+        <a:font script="Khmr" typeface="MoolBoran"/>
+        <a:font script="Knda" typeface="Tunga"/>
+        <a:font script="Guru" typeface="Raavi"/>
+        <a:font script="Cans" typeface="Euphemia"/>
+        <a:font script="Cher" typeface="Plantagenet Cherokee"/>
+        <a:font script="Yiii" typeface="Microsoft Yi Baiti"/>
+        <a:font script="Tibt" typeface="Microsoft Himalaya"/>
+        <a:font script="Thaa" typeface="MV Boli"/>
+        <a:font script="Deva" typeface="Mangal"/>
+        <a:font script="Telu" typeface="Gautami"/>
+        <a:font script="Taml" typeface="Latha"/>
+        <a:font script="Syrc" typeface="Estrangelo Edessa"/>
+        <a:font script="Orya" typeface="Kalinga"/>
+        <a:font script="Mlym" typeface="Kartika"/>
+        <a:font script="Laoo" typeface="DokChampa"/>
+        <a:font script="Sinh" typeface="Iskoola Pota"/>
+        <a:font script="Mong" typeface="Mongolian Baiti"/>
+        <a:font script="Viet" typeface="Times New Roman"/>
+        <a:font script="Uigh" typeface="Microsoft Uighur"/>
+        <a:font script="Geor" typeface="Sylfaen"/>
+        <a:font script="Armn" typeface="Arial"/>
+        <a:font script="Bugi" typeface="Leelawadee UI"/>
+        <a:font script="Bopo" typeface="Microsoft JhengHei"/>
+        <a:font script="Java" typeface="Javanese Text"/>
+        <a:font script="Lisu" typeface="Segoe UI"/>
+        <a:font script="Mymr" typeface="Myanmar Text"/>
+        <a:font script="Nkoo" typeface="Ebrima"/>
+        <a:font script="Olck" typeface="Nirmala UI"/>
+        <a:font script="Osma" typeface="Ebrima"/>
+        <a:font script="Phag" typeface="Phagspa"/>
+        <a:font script="Syrn" typeface="Estrangelo Edessa"/>
+        <a:font script="Syrj" typeface="Estrangelo Edessa"/>
+        <a:font script="Syre" typeface="Estrangelo Edessa"/>
+        <a:font script="Sora" typeface="Nirmala UI"/>
+        <a:font script="Tale" typeface="Microsoft Tai Le"/>
+        <a:font script="Talu" typeface="Microsoft New Tai Lue"/>
+        <a:font script="Tfng" typeface="Ebrima"/>
+      </a:majorFont>
+      <a:minorFont>
+        <a:latin typeface="Calibri" panose="020F0502020204030204"/>
+        <a:ea typeface=""/>
+        <a:cs typeface=""/>
+        <a:font script="Jpan" typeface="游ゴシック"/>
+        <a:font script="Hang" typeface="맑은 고딕"/>
+        <a:font script="Hans" typeface="等线"/>
+        <a:font script="Hant" typeface="新細明體"/>
+        <a:font script="Arab" typeface="Arial"/>
+        <a:font script="Hebr" typeface="Arial"/>
+        <a:font script="Thai" typeface="Cordia New"/>
+        <a:font script="Ethi" typeface="Nyala"/>
+        <a:font script="Beng" typeface="Vrinda"/>
+        <a:font script="Gujr" typeface="Shruti"/>
+        <a:font script="Khmr" typeface="DaunPenh"/>
+        <a:font script="Knda" typeface="Tunga"/>
+        <a:font script="Guru" typeface="Raavi"/>
+        <a:font script="Cans" typeface="Euphemia"/>
+        <a:font script="Cher" typeface="Plantagenet Cherokee"/>
+        <a:font script="Yiii" typeface="Microsoft Yi Baiti"/>
+        <a:font script="Tibt" typeface="Microsoft Himalaya"/>
+        <a:font script="Thaa" typeface="MV Boli"/>
+        <a:font script="Deva" typeface="Mangal"/>
+        <a:font script="Telu" typeface="Gautami"/>
+        <a:font script="Taml" typeface="Latha"/>
+        <a:font script="Syrc" typeface="Estrangelo Edessa"/>
+        <a:font script="Orya" typeface="Kalinga"/>
+        <a:font script="Mlym" typeface="Kartika"/>
+        <a:font script="Laoo" typeface="DokChampa"/>
+        <a:font script="Sinh" typeface="Iskoola Pota"/>
+        <a:font script="Mong" typeface="Mongolian Baiti"/>
+        <a:font script="Viet" typeface="Arial"/>
+        <a:font script="Uigh" typeface="Microsoft Uighur"/>
+        <a:font script="Geor" typeface="Sylfaen"/>
+        <a:font script="Armn" typeface="Arial"/>
+        <a:font script="Bugi" typeface="Leelawadee UI"/>
+        <a:font script="Bopo" typeface="Microsoft JhengHei"/>
+        <a:font script="Java" typeface="Javanese Text"/>
+        <a:font script="Lisu" typeface="Segoe UI"/>
+        <a:font script="Mymr" typeface="Myanmar Text"/>
+        <a:font script="Nkoo" typeface="Ebrima"/>
+        <a:font script="Olck" typeface="Nirmala UI"/>
+        <a:font script="Osma" typeface="Ebrima"/>
+        <a:font script="Phag" typeface="Phagspa"/>
+        <a:font script="Syrn" typeface="Estrangelo Edessa"/>
+        <a:font script="Syrj" typeface="Estrangelo Edessa"/>
+        <a:font script="Syre" typeface="Estrangelo Edessa"/>
+        <a:font script="Sora" typeface="Nirmala UI"/>
+        <a:font script="Tale" typeface="Microsoft Tai Le"/>
+        <a:font script="Talu" typeface="Microsoft New Tai Lue"/>
+        <a:font script="Tfng" typeface="Ebrima"/>
+      </a:minorFont>
+    </a:fontScheme>
+    <a:fmtScheme name="Office">
+      <a:fillStyleLst>
+        <a:solidFill>
+          <a:schemeClr val="phClr"/>
+        </a:solidFill>
+        <a:gradFill rotWithShape="1">
+          <a:gsLst>
+            <a:gs pos="0">
+              <a:schemeClr val="phClr">
+                <a:lumMod val="110000"/>
+                <a:satMod val="105000"/>
+                <a:tint val="67000"/>
+              </a:schemeClr>
+            </a:gs>
+            <a:gs pos="50000">
+              <a:schemeClr val="phClr">
+                <a:lumMod val="105000"/>
+                <a:satMod val="103000"/>
+                <a:tint val="73000"/>
+              </a:schemeClr>
+            </a:gs>
+            <a:gs pos="100000">
+              <a:schemeClr val="phClr">
+                <a:lumMod val="105000"/>
+                <a:satMod val="109000"/>
+                <a:tint val="81000"/>
+              </a:schemeClr>
+            </a:gs>
+          </a:gsLst>
+          <a:lin ang="5400000" scaled="0"/>
+        </a:gradFill>
+        <a:gradFill rotWithShape="1">
+          <a:gsLst>
+            <a:gs pos="0">
+              <a:schemeClr val="phClr">
+                <a:satMod val="103000"/>
+                <a:lumMod val="102000"/>
+                <a:tint val="94000"/>
+              </a:schemeClr>
+            </a:gs>
+            <a:gs pos="50000">
+              <a:schemeClr val="phClr">
+                <a:satMod val="110000"/>
+                <a:lumMod val="100000"/>
+                <a:shade val="100000"/>
+              </a:schemeClr>
+            </a:gs>
+            <a:gs pos="100000">
+              <a:schemeClr val="phClr">
+                <a:lumMod val="99000"/>
+                <a:satMod val="120000"/>
+                <a:shade val="78000"/>
+              </a:schemeClr>
+            </a:gs>
+          </a:gsLst>
+          <a:lin ang="5400000" scaled="0"/>
+        </a:gradFill>
+      </a:fillStyleLst>
+      <a:lnStyleLst>
+        <a:ln w="6350" cap="flat" cmpd="sng" algn="ctr">
+          <a:solidFill>
+            <a:schemeClr val="phClr"/>
+          </a:solidFill>
+          <a:prstDash val="solid"/>
+          <a:miter lim="800000"/>
+        </a:ln>
+        <a:ln w="12700" cap="flat" cmpd="sng" algn="ctr">
+          <a:solidFill>
+            <a:schemeClr val="phClr"/>
+          </a:solidFill>
+          <a:prstDash val="solid"/>
+          <a:miter lim="800000"/>
+        </a:ln>
+        <a:ln w="19050" cap="flat" cmpd="sng" algn="ctr">
+          <a:solidFill>
+            <a:schemeClr val="phClr"/>
+          </a:solidFill>
+          <a:prstDash val="solid"/>
+          <a:miter lim="800000"/>
+        </a:ln>
+      </a:lnStyleLst>
+      <a:effectStyleLst>
+        <a:effectStyle>
+          <a:effectLst/>
+        </a:effectStyle>
+        <a:effectStyle>
+          <a:effectLst/>
+        </a:effectStyle>
+        <a:effectStyle>
+          <a:effectLst>
+            <a:outerShdw blurRad="57150" dist="19050" dir="5400000" algn="ctr" rotWithShape="0">
+              <a:srgbClr val="000000">
+                <a:alpha val="63000"/>
+              </a:srgbClr>
+            </a:outerShdw>
+          </a:effectLst>
+        </a:effectStyle>
+      </a:effectStyleLst>
+      <a:bgFillStyleLst>
+        <a:solidFill>
+          <a:schemeClr val="phClr"/>
+        </a:solidFill>
+        <a:solidFill>
+          <a:schemeClr val="phClr">
+            <a:tint val="95000"/>
+            <a:satMod val="170000"/>
+          </a:schemeClr>
+        </a:solidFill>
+        <a:gradFill rotWithShape="1">
+          <a:gsLst>
+            <a:gs pos="0">
+              <a:schemeClr val="phClr">
+                <a:tint val="93000"/>
+                <a:satMod val="150000"/>
+                <a:shade val="98000"/>
+                <a:lumMod val="102000"/>
+              </a:schemeClr>
+            </a:gs>
+            <a:gs pos="50000">
+              <a:schemeClr val="phClr">
+                <a:tint val="98000"/>
+                <a:satMod val="130000"/>
+                <a:shade val="90000"/>
+                <a:lumMod val="103000"/>
+              </a:schemeClr>
+            </a:gs>
+            <a:gs pos="100000">
+              <a:schemeClr val="phClr">
+                <a:shade val="63000"/>
+                <a:satMod val="120000"/>
+              </a:schemeClr>
+            </a:gs>
+          </a:gsLst>
+          <a:lin ang="5400000" scaled="0"/>
+        </a:gradFill>
+      </a:bgFillStyleLst>
+    </a:fmtScheme>
+  </a:themeElements>
+  <a:objectDefaults/>
+  <a:extraClrSchemeLst/>
+  <a:extLst>
+    <a:ext uri="{05A4C25C-085E-4340-85A3-A5531E510DB2}">
+      <thm15:themeFamily xmlns:thm15="http://schemas.microsoft.com/office/thememl/2012/main" name="Office Theme" id="{62F939B6-93AF-4DB8-9C6B-D6C7DFDC589F}" vid="{4A3C46E8-61CC-4603-A589-7422A47A8E4A}"/>
+    </a:ext>
+  </a:extLst>
+</a:theme>
 </file>